--- a/02.PPT/Ch1-绪论/C++1_1.pptx
+++ b/02.PPT/Ch1-绪论/C++1_1.pptx
@@ -6,10 +6,10 @@
     <p:sldMasterId id="2147483660" r:id="rId2"/>
   </p:sldMasterIdLst>
   <p:notesMasterIdLst>
-    <p:notesMasterId r:id="rId29"/>
+    <p:notesMasterId r:id="rId28"/>
   </p:notesMasterIdLst>
   <p:handoutMasterIdLst>
-    <p:handoutMasterId r:id="rId30"/>
+    <p:handoutMasterId r:id="rId29"/>
   </p:handoutMasterIdLst>
   <p:sldIdLst>
     <p:sldId id="588" r:id="rId3"/>
@@ -28,16 +28,15 @@
     <p:sldId id="696" r:id="rId16"/>
     <p:sldId id="697" r:id="rId17"/>
     <p:sldId id="700" r:id="rId18"/>
-    <p:sldId id="705" r:id="rId19"/>
-    <p:sldId id="701" r:id="rId20"/>
-    <p:sldId id="702" r:id="rId21"/>
-    <p:sldId id="714" r:id="rId22"/>
-    <p:sldId id="709" r:id="rId23"/>
-    <p:sldId id="711" r:id="rId24"/>
-    <p:sldId id="712" r:id="rId25"/>
-    <p:sldId id="703" r:id="rId26"/>
-    <p:sldId id="713" r:id="rId27"/>
-    <p:sldId id="731" r:id="rId28"/>
+    <p:sldId id="701" r:id="rId19"/>
+    <p:sldId id="702" r:id="rId20"/>
+    <p:sldId id="714" r:id="rId21"/>
+    <p:sldId id="709" r:id="rId22"/>
+    <p:sldId id="711" r:id="rId23"/>
+    <p:sldId id="712" r:id="rId24"/>
+    <p:sldId id="703" r:id="rId25"/>
+    <p:sldId id="713" r:id="rId26"/>
+    <p:sldId id="731" r:id="rId27"/>
   </p:sldIdLst>
   <p:sldSz cx="9144000" cy="6858000" type="screen4x3"/>
   <p:notesSz cx="6743700" cy="9906000"/>
@@ -849,203 +848,6 @@
 </p:notes>
 </file>
 
-<file path=ppt/notesSlides/notesSlide10.xml><?xml version="1.0" encoding="utf-8"?>
-<p:notes xmlns:a="http://schemas.openxmlformats.org/drawingml/2006/main" xmlns:r="http://schemas.openxmlformats.org/officeDocument/2006/relationships" xmlns:p="http://schemas.openxmlformats.org/presentationml/2006/main">
-  <p:cSld>
-    <p:spTree>
-      <p:nvGrpSpPr>
-        <p:cNvPr id="1" name=""/>
-        <p:cNvGrpSpPr/>
-        <p:nvPr/>
-      </p:nvGrpSpPr>
-      <p:grpSpPr>
-        <a:xfrm>
-          <a:off x="0" y="0"/>
-          <a:ext cx="0" cy="0"/>
-          <a:chOff x="0" y="0"/>
-          <a:chExt cx="0" cy="0"/>
-        </a:xfrm>
-      </p:grpSpPr>
-      <p:sp>
-        <p:nvSpPr>
-          <p:cNvPr id="2" name="幻灯片图像占位符 1"/>
-          <p:cNvSpPr>
-            <a:spLocks noGrp="1" noRot="1" noChangeAspect="1"/>
-          </p:cNvSpPr>
-          <p:nvPr>
-            <p:ph type="sldImg"/>
-          </p:nvPr>
-        </p:nvSpPr>
-        <p:spPr/>
-      </p:sp>
-      <p:sp>
-        <p:nvSpPr>
-          <p:cNvPr id="3" name="备注占位符 2"/>
-          <p:cNvSpPr>
-            <a:spLocks noGrp="1"/>
-          </p:cNvSpPr>
-          <p:nvPr>
-            <p:ph type="body" idx="1"/>
-          </p:nvPr>
-        </p:nvSpPr>
-        <p:spPr/>
-        <p:txBody>
-          <a:bodyPr/>
-          <a:lstStyle/>
-          <a:p>
-            <a:r>
-              <a:rPr lang="zh-CN" altLang="en-US" dirty="0" smtClean="0"/>
-              <a:t>问题：</a:t>
-            </a:r>
-            <a:endParaRPr lang="en-US" altLang="zh-CN" dirty="0" smtClean="0"/>
-          </a:p>
-          <a:p>
-            <a:pPr marL="228600" indent="-228600">
-              <a:buAutoNum type="arabicPeriod"/>
-            </a:pPr>
-            <a:r>
-              <a:rPr lang="zh-CN" altLang="en-US" baseline="0" dirty="0" smtClean="0"/>
-              <a:t>如何学习程序设计</a:t>
-            </a:r>
-            <a:endParaRPr lang="en-US" altLang="zh-CN" baseline="0" dirty="0" smtClean="0"/>
-          </a:p>
-          <a:p>
-            <a:pPr marL="228600" indent="-228600">
-              <a:buAutoNum type="arabicPeriod"/>
-            </a:pPr>
-            <a:r>
-              <a:rPr lang="zh-CN" altLang="en-US" baseline="0" dirty="0" smtClean="0"/>
-              <a:t>如何学习</a:t>
-            </a:r>
-            <a:r>
-              <a:rPr lang="en-US" altLang="zh-CN" baseline="0" dirty="0" smtClean="0"/>
-              <a:t>C++</a:t>
-            </a:r>
-          </a:p>
-          <a:p>
-            <a:pPr marL="228600" indent="-228600">
-              <a:buAutoNum type="arabicPeriod"/>
-            </a:pPr>
-            <a:r>
-              <a:rPr lang="zh-CN" altLang="en-US" baseline="0" dirty="0" smtClean="0"/>
-              <a:t>如何学习</a:t>
-            </a:r>
-            <a:r>
-              <a:rPr lang="en-US" altLang="zh-CN" baseline="0" dirty="0" smtClean="0"/>
-              <a:t>C++</a:t>
-            </a:r>
-            <a:r>
-              <a:rPr lang="zh-CN" altLang="en-US" baseline="0" dirty="0" smtClean="0"/>
-              <a:t>语法</a:t>
-            </a:r>
-            <a:endParaRPr lang="en-US" altLang="zh-CN" baseline="0" dirty="0" smtClean="0"/>
-          </a:p>
-          <a:p>
-            <a:pPr marL="228600" indent="-228600">
-              <a:buAutoNum type="arabicPeriod"/>
-            </a:pPr>
-            <a:r>
-              <a:rPr lang="zh-CN" altLang="en-US" baseline="0" dirty="0" smtClean="0"/>
-              <a:t>如何学习循环语句的语法</a:t>
-            </a:r>
-            <a:endParaRPr lang="en-US" altLang="zh-CN" baseline="0" dirty="0" smtClean="0"/>
-          </a:p>
-          <a:p>
-            <a:pPr marL="228600" indent="-228600">
-              <a:buAutoNum type="arabicPeriod"/>
-            </a:pPr>
-            <a:r>
-              <a:rPr lang="zh-CN" altLang="en-US" baseline="0" dirty="0" smtClean="0"/>
-              <a:t>如何学习</a:t>
-            </a:r>
-            <a:r>
-              <a:rPr lang="en-US" altLang="zh-CN" baseline="0" dirty="0" smtClean="0"/>
-              <a:t>for</a:t>
-            </a:r>
-            <a:r>
-              <a:rPr lang="zh-CN" altLang="en-US" baseline="0" dirty="0" smtClean="0"/>
-              <a:t>循环语句</a:t>
-            </a:r>
-            <a:endParaRPr lang="en-US" altLang="zh-CN" baseline="0" dirty="0" smtClean="0"/>
-          </a:p>
-          <a:p>
-            <a:pPr marL="0" indent="0">
-              <a:buNone/>
-            </a:pPr>
-            <a:endParaRPr lang="en-US" altLang="zh-CN" baseline="0" dirty="0" smtClean="0"/>
-          </a:p>
-          <a:p>
-            <a:pPr marL="0" indent="0">
-              <a:buNone/>
-            </a:pPr>
-            <a:r>
-              <a:rPr lang="en-US" altLang="zh-CN" baseline="0" dirty="0" smtClean="0"/>
-              <a:t>Bug</a:t>
-            </a:r>
-          </a:p>
-          <a:p>
-            <a:pPr marL="0" indent="0">
-              <a:buNone/>
-            </a:pPr>
-            <a:r>
-              <a:rPr lang="en-US" altLang="zh-CN" baseline="0" dirty="0" smtClean="0"/>
-              <a:t>1.</a:t>
-            </a:r>
-            <a:r>
-              <a:rPr lang="zh-CN" altLang="en-US" baseline="0" dirty="0" smtClean="0"/>
-              <a:t>老师为什么为死机（编译不通过，有这么多错误）</a:t>
-            </a:r>
-            <a:endParaRPr lang="en-US" altLang="zh-CN" baseline="0" dirty="0" smtClean="0"/>
-          </a:p>
-          <a:p>
-            <a:pPr marL="0" indent="0">
-              <a:buNone/>
-            </a:pPr>
-            <a:r>
-              <a:rPr lang="en-US" altLang="zh-CN" baseline="0" dirty="0" smtClean="0"/>
-              <a:t>2. </a:t>
-            </a:r>
-            <a:r>
-              <a:rPr lang="zh-CN" altLang="en-US" baseline="0" dirty="0" smtClean="0"/>
-              <a:t>为什么</a:t>
-            </a:r>
-            <a:r>
-              <a:rPr lang="en-US" altLang="zh-CN" baseline="0" dirty="0" smtClean="0"/>
-              <a:t>for</a:t>
-            </a:r>
-            <a:r>
-              <a:rPr lang="zh-CN" altLang="en-US" baseline="0" dirty="0" smtClean="0"/>
-              <a:t>循环死机</a:t>
-            </a:r>
-            <a:endParaRPr lang="en-US" altLang="zh-CN" baseline="0" dirty="0" smtClean="0"/>
-          </a:p>
-          <a:p>
-            <a:pPr marL="0" indent="0">
-              <a:buNone/>
-            </a:pPr>
-            <a:endParaRPr lang="en-US" altLang="zh-CN" baseline="0" dirty="0" smtClean="0"/>
-          </a:p>
-          <a:p>
-            <a:pPr marL="0" indent="0">
-              <a:buNone/>
-            </a:pPr>
-            <a:endParaRPr lang="zh-CN" altLang="en-US" dirty="0"/>
-          </a:p>
-        </p:txBody>
-      </p:sp>
-    </p:spTree>
-    <p:extLst>
-      <p:ext uri="{BB962C8B-B14F-4D97-AF65-F5344CB8AC3E}">
-        <p14:creationId xmlns:p14="http://schemas.microsoft.com/office/powerpoint/2010/main" val="2345205020"/>
-      </p:ext>
-    </p:extLst>
-  </p:cSld>
-  <p:clrMapOvr>
-    <a:masterClrMapping/>
-  </p:clrMapOvr>
-</p:notes>
-</file>
-
 <file path=ppt/notesSlides/notesSlide2.xml><?xml version="1.0" encoding="utf-8"?>
 <p:notes xmlns:a="http://schemas.openxmlformats.org/drawingml/2006/main" xmlns:r="http://schemas.openxmlformats.org/officeDocument/2006/relationships" xmlns:p="http://schemas.openxmlformats.org/presentationml/2006/main">
   <p:cSld>
@@ -1408,44 +1210,57 @@
           <a:lstStyle/>
           <a:p>
             <a:r>
+              <a:rPr lang="en-US" altLang="zh-CN" dirty="0" smtClean="0"/>
+              <a:t>- </a:t>
+            </a:r>
+            <a:r>
               <a:rPr lang="zh-CN" altLang="en-US" dirty="0" smtClean="0"/>
-              <a:t>逆向思维，以目标为导向</a:t>
-            </a:r>
-            <a:endParaRPr lang="en-US" altLang="zh-CN" dirty="0" smtClean="0"/>
+              <a:t>常规的学习路径</a:t>
+            </a:r>
           </a:p>
           <a:p>
             <a:r>
               <a:rPr lang="zh-CN" altLang="en-US" dirty="0" smtClean="0"/>
-              <a:t>目标</a:t>
-            </a:r>
-            <a:r>
-              <a:rPr lang="en-US" altLang="zh-CN" baseline="0" dirty="0" smtClean="0"/>
-              <a:t>&lt;-</a:t>
-            </a:r>
-            <a:r>
-              <a:rPr lang="zh-CN" altLang="en-US" baseline="0" dirty="0" smtClean="0"/>
-              <a:t>能力</a:t>
-            </a:r>
-            <a:r>
-              <a:rPr lang="en-US" altLang="zh-CN" baseline="0" dirty="0" smtClean="0"/>
-              <a:t>&lt;-</a:t>
-            </a:r>
-            <a:r>
-              <a:rPr lang="zh-CN" altLang="en-US" baseline="0" dirty="0" smtClean="0"/>
-              <a:t>投入</a:t>
-            </a:r>
-            <a:r>
-              <a:rPr lang="en-US" altLang="zh-CN" baseline="0" dirty="0" smtClean="0"/>
-              <a:t>&lt;-&lt;-</a:t>
-            </a:r>
-            <a:endParaRPr lang="en-US" altLang="zh-CN" dirty="0" smtClean="0"/>
+              <a:t> 语法 </a:t>
+            </a:r>
+            <a:r>
+              <a:rPr lang="en-US" altLang="zh-CN" dirty="0" smtClean="0"/>
+              <a:t>-&gt; </a:t>
+            </a:r>
+            <a:r>
+              <a:rPr lang="zh-CN" altLang="en-US" dirty="0" smtClean="0"/>
+              <a:t>程序片 </a:t>
+            </a:r>
+            <a:r>
+              <a:rPr lang="en-US" altLang="zh-CN" dirty="0" smtClean="0"/>
+              <a:t>-&gt; </a:t>
+            </a:r>
+            <a:r>
+              <a:rPr lang="zh-CN" altLang="en-US" dirty="0" smtClean="0"/>
+              <a:t>设计思想 </a:t>
+            </a:r>
+            <a:r>
+              <a:rPr lang="en-US" altLang="zh-CN" dirty="0" smtClean="0"/>
+              <a:t>-&gt; C++</a:t>
+            </a:r>
+            <a:r>
+              <a:rPr lang="zh-CN" altLang="en-US" dirty="0" smtClean="0"/>
+              <a:t>项目 </a:t>
+            </a:r>
+            <a:r>
+              <a:rPr lang="en-US" altLang="zh-CN" smtClean="0"/>
+              <a:t>-&gt; </a:t>
+            </a:r>
+          </a:p>
+          <a:p>
+            <a:endParaRPr lang="zh-CN" altLang="en-US"/>
           </a:p>
         </p:txBody>
       </p:sp>
     </p:spTree>
     <p:extLst>
       <p:ext uri="{BB962C8B-B14F-4D97-AF65-F5344CB8AC3E}">
-        <p14:creationId xmlns:p14="http://schemas.microsoft.com/office/powerpoint/2010/main" val="1868922429"/>
+        <p14:creationId xmlns:p14="http://schemas.microsoft.com/office/powerpoint/2010/main" val="3371633594"/>
       </p:ext>
     </p:extLst>
   </p:cSld>
@@ -1499,58 +1314,86 @@
           <a:bodyPr/>
           <a:lstStyle/>
           <a:p>
+            <a:pPr marL="171450" indent="-171450">
+              <a:buFontTx/>
+              <a:buChar char="-"/>
+            </a:pPr>
+            <a:r>
+              <a:rPr lang="zh-CN" altLang="en-US" dirty="0" smtClean="0"/>
+              <a:t>目标</a:t>
+            </a:r>
+            <a:endParaRPr lang="en-US" altLang="zh-CN" dirty="0" smtClean="0"/>
+          </a:p>
+          <a:p>
+            <a:pPr marL="171450" indent="-171450">
+              <a:buFontTx/>
+              <a:buChar char="-"/>
+            </a:pPr>
             <a:r>
               <a:rPr lang="en-US" altLang="zh-CN" dirty="0" smtClean="0"/>
-              <a:t>- </a:t>
-            </a:r>
-            <a:r>
-              <a:rPr lang="zh-CN" altLang="en-US" dirty="0" smtClean="0"/>
-              <a:t>常规的学习路径</a:t>
-            </a:r>
-          </a:p>
-          <a:p>
-            <a:r>
-              <a:rPr lang="zh-CN" altLang="en-US" dirty="0" smtClean="0"/>
-              <a:t> 语法 </a:t>
-            </a:r>
-            <a:r>
-              <a:rPr lang="en-US" altLang="zh-CN" dirty="0" smtClean="0"/>
-              <a:t>-&gt; </a:t>
-            </a:r>
-            <a:r>
-              <a:rPr lang="zh-CN" altLang="en-US" dirty="0" smtClean="0"/>
-              <a:t>程序片 </a:t>
-            </a:r>
-            <a:r>
-              <a:rPr lang="en-US" altLang="zh-CN" dirty="0" smtClean="0"/>
-              <a:t>-&gt; </a:t>
-            </a:r>
-            <a:r>
-              <a:rPr lang="zh-CN" altLang="en-US" dirty="0" smtClean="0"/>
-              <a:t>设计思想 </a:t>
-            </a:r>
-            <a:r>
-              <a:rPr lang="en-US" altLang="zh-CN" dirty="0" smtClean="0"/>
-              <a:t>-&gt; C++</a:t>
-            </a:r>
-            <a:r>
-              <a:rPr lang="zh-CN" altLang="en-US" dirty="0" smtClean="0"/>
-              <a:t>项目 </a:t>
-            </a:r>
-            <a:r>
-              <a:rPr lang="en-US" altLang="zh-CN" smtClean="0"/>
-              <a:t>-&gt; </a:t>
-            </a:r>
-          </a:p>
-          <a:p>
-            <a:endParaRPr lang="zh-CN" altLang="en-US"/>
+              <a:t>You can code.</a:t>
+            </a:r>
+            <a:r>
+              <a:rPr lang="en-US" altLang="zh-CN" baseline="0" dirty="0" smtClean="0"/>
+              <a:t> They cannot. That is pretty damn cool.</a:t>
+            </a:r>
+          </a:p>
+          <a:p>
+            <a:pPr marL="171450" indent="-171450">
+              <a:buFontTx/>
+              <a:buChar char="-"/>
+            </a:pPr>
+            <a:r>
+              <a:rPr lang="zh-CN" altLang="en-US" baseline="0" dirty="0" smtClean="0"/>
+              <a:t>开发网站、游戏、</a:t>
+            </a:r>
+            <a:r>
+              <a:rPr lang="en-US" altLang="zh-CN" baseline="0" dirty="0" smtClean="0"/>
+              <a:t>dating</a:t>
+            </a:r>
+            <a:r>
+              <a:rPr lang="zh-CN" altLang="en-US" baseline="0" dirty="0" smtClean="0"/>
+              <a:t>、</a:t>
+            </a:r>
+            <a:r>
+              <a:rPr lang="en-US" altLang="zh-CN" baseline="0" dirty="0" err="1" smtClean="0"/>
+              <a:t>ios</a:t>
+            </a:r>
+            <a:r>
+              <a:rPr lang="zh-CN" altLang="en-US" baseline="0" dirty="0" smtClean="0"/>
+              <a:t>、</a:t>
+            </a:r>
+            <a:r>
+              <a:rPr lang="en-US" altLang="zh-CN" baseline="0" dirty="0" smtClean="0"/>
+              <a:t>android</a:t>
+            </a:r>
+            <a:r>
+              <a:rPr lang="zh-CN" altLang="en-US" baseline="0" dirty="0" smtClean="0"/>
+              <a:t>，</a:t>
+            </a:r>
+            <a:r>
+              <a:rPr lang="en-US" altLang="zh-CN" baseline="0" dirty="0" smtClean="0"/>
+              <a:t>RS</a:t>
+            </a:r>
+            <a:r>
+              <a:rPr lang="zh-CN" altLang="en-US" baseline="0" dirty="0" smtClean="0"/>
+              <a:t>等任意一个目标都是</a:t>
+            </a:r>
+            <a:endParaRPr lang="en-US" altLang="zh-CN" baseline="0" dirty="0" smtClean="0"/>
+          </a:p>
+          <a:p>
+            <a:pPr marL="171450" indent="-171450">
+              <a:buFontTx/>
+              <a:buChar char="-"/>
+            </a:pPr>
+            <a:endParaRPr lang="zh-CN" altLang="en-US" dirty="0"/>
           </a:p>
         </p:txBody>
       </p:sp>
     </p:spTree>
     <p:extLst>
       <p:ext uri="{BB962C8B-B14F-4D97-AF65-F5344CB8AC3E}">
-        <p14:creationId xmlns:p14="http://schemas.microsoft.com/office/powerpoint/2010/main" val="3371633594"/>
+        <p14:creationId xmlns:p14="http://schemas.microsoft.com/office/powerpoint/2010/main" val="115303243"/>
       </p:ext>
     </p:extLst>
   </p:cSld>
@@ -1604,77 +1447,141 @@
           <a:bodyPr/>
           <a:lstStyle/>
           <a:p>
-            <a:pPr marL="171450" indent="-171450">
-              <a:buFontTx/>
-              <a:buChar char="-"/>
+            <a:r>
+              <a:rPr lang="zh-CN" altLang="en-US" dirty="0" smtClean="0"/>
+              <a:t>问题：</a:t>
+            </a:r>
+            <a:endParaRPr lang="en-US" altLang="zh-CN" dirty="0" smtClean="0"/>
+          </a:p>
+          <a:p>
+            <a:pPr marL="228600" indent="-228600">
+              <a:buAutoNum type="arabicPeriod"/>
             </a:pPr>
             <a:r>
-              <a:rPr lang="zh-CN" altLang="en-US" dirty="0" smtClean="0"/>
-              <a:t>目标</a:t>
-            </a:r>
-            <a:endParaRPr lang="en-US" altLang="zh-CN" dirty="0" smtClean="0"/>
-          </a:p>
-          <a:p>
-            <a:pPr marL="171450" indent="-171450">
-              <a:buFontTx/>
-              <a:buChar char="-"/>
+              <a:rPr lang="zh-CN" altLang="en-US" baseline="0" dirty="0" smtClean="0"/>
+              <a:t>如何学习程序设计</a:t>
+            </a:r>
+            <a:endParaRPr lang="en-US" altLang="zh-CN" baseline="0" dirty="0" smtClean="0"/>
+          </a:p>
+          <a:p>
+            <a:pPr marL="228600" indent="-228600">
+              <a:buAutoNum type="arabicPeriod"/>
             </a:pPr>
             <a:r>
-              <a:rPr lang="en-US" altLang="zh-CN" dirty="0" smtClean="0"/>
-              <a:t>You can code.</a:t>
+              <a:rPr lang="zh-CN" altLang="en-US" baseline="0" dirty="0" smtClean="0"/>
+              <a:t>如何学习</a:t>
             </a:r>
             <a:r>
               <a:rPr lang="en-US" altLang="zh-CN" baseline="0" dirty="0" smtClean="0"/>
-              <a:t> They cannot. That is pretty damn cool.</a:t>
-            </a:r>
-          </a:p>
-          <a:p>
-            <a:pPr marL="171450" indent="-171450">
-              <a:buFontTx/>
-              <a:buChar char="-"/>
+              <a:t>C++</a:t>
+            </a:r>
+          </a:p>
+          <a:p>
+            <a:pPr marL="228600" indent="-228600">
+              <a:buAutoNum type="arabicPeriod"/>
             </a:pPr>
             <a:r>
               <a:rPr lang="zh-CN" altLang="en-US" baseline="0" dirty="0" smtClean="0"/>
-              <a:t>开发网站、游戏、</a:t>
+              <a:t>如何学习</a:t>
             </a:r>
             <a:r>
               <a:rPr lang="en-US" altLang="zh-CN" baseline="0" dirty="0" smtClean="0"/>
-              <a:t>dating</a:t>
+              <a:t>C++</a:t>
             </a:r>
             <a:r>
               <a:rPr lang="zh-CN" altLang="en-US" baseline="0" dirty="0" smtClean="0"/>
-              <a:t>、</a:t>
-            </a:r>
-            <a:r>
-              <a:rPr lang="en-US" altLang="zh-CN" baseline="0" dirty="0" err="1" smtClean="0"/>
-              <a:t>ios</a:t>
-            </a:r>
+              <a:t>语法</a:t>
+            </a:r>
+            <a:endParaRPr lang="en-US" altLang="zh-CN" baseline="0" dirty="0" smtClean="0"/>
+          </a:p>
+          <a:p>
+            <a:pPr marL="228600" indent="-228600">
+              <a:buAutoNum type="arabicPeriod"/>
+            </a:pPr>
             <a:r>
               <a:rPr lang="zh-CN" altLang="en-US" baseline="0" dirty="0" smtClean="0"/>
-              <a:t>、</a:t>
+              <a:t>如何学习循环语句的语法</a:t>
+            </a:r>
+            <a:endParaRPr lang="en-US" altLang="zh-CN" baseline="0" dirty="0" smtClean="0"/>
+          </a:p>
+          <a:p>
+            <a:pPr marL="228600" indent="-228600">
+              <a:buAutoNum type="arabicPeriod"/>
+            </a:pPr>
+            <a:r>
+              <a:rPr lang="zh-CN" altLang="en-US" baseline="0" dirty="0" smtClean="0"/>
+              <a:t>如何学习</a:t>
             </a:r>
             <a:r>
               <a:rPr lang="en-US" altLang="zh-CN" baseline="0" dirty="0" smtClean="0"/>
-              <a:t>android</a:t>
+              <a:t>for</a:t>
             </a:r>
             <a:r>
               <a:rPr lang="zh-CN" altLang="en-US" baseline="0" dirty="0" smtClean="0"/>
-              <a:t>，</a:t>
-            </a:r>
+              <a:t>循环语句</a:t>
+            </a:r>
+            <a:endParaRPr lang="en-US" altLang="zh-CN" baseline="0" dirty="0" smtClean="0"/>
+          </a:p>
+          <a:p>
+            <a:pPr marL="0" indent="0">
+              <a:buNone/>
+            </a:pPr>
+            <a:endParaRPr lang="en-US" altLang="zh-CN" baseline="0" dirty="0" smtClean="0"/>
+          </a:p>
+          <a:p>
+            <a:pPr marL="0" indent="0">
+              <a:buNone/>
+            </a:pPr>
             <a:r>
               <a:rPr lang="en-US" altLang="zh-CN" baseline="0" dirty="0" smtClean="0"/>
-              <a:t>RS</a:t>
+              <a:t>Bug</a:t>
+            </a:r>
+          </a:p>
+          <a:p>
+            <a:pPr marL="0" indent="0">
+              <a:buNone/>
+            </a:pPr>
+            <a:r>
+              <a:rPr lang="en-US" altLang="zh-CN" baseline="0" dirty="0" smtClean="0"/>
+              <a:t>1.</a:t>
             </a:r>
             <a:r>
               <a:rPr lang="zh-CN" altLang="en-US" baseline="0" dirty="0" smtClean="0"/>
-              <a:t>等任意一个目标都是</a:t>
+              <a:t>老师为什么为死机（编译不通过，有这么多错误）</a:t>
             </a:r>
             <a:endParaRPr lang="en-US" altLang="zh-CN" baseline="0" dirty="0" smtClean="0"/>
           </a:p>
           <a:p>
-            <a:pPr marL="171450" indent="-171450">
-              <a:buFontTx/>
-              <a:buChar char="-"/>
+            <a:pPr marL="0" indent="0">
+              <a:buNone/>
+            </a:pPr>
+            <a:r>
+              <a:rPr lang="en-US" altLang="zh-CN" baseline="0" dirty="0" smtClean="0"/>
+              <a:t>2. </a:t>
+            </a:r>
+            <a:r>
+              <a:rPr lang="zh-CN" altLang="en-US" baseline="0" dirty="0" smtClean="0"/>
+              <a:t>为什么</a:t>
+            </a:r>
+            <a:r>
+              <a:rPr lang="en-US" altLang="zh-CN" baseline="0" dirty="0" smtClean="0"/>
+              <a:t>for</a:t>
+            </a:r>
+            <a:r>
+              <a:rPr lang="zh-CN" altLang="en-US" baseline="0" dirty="0" smtClean="0"/>
+              <a:t>循环死机</a:t>
+            </a:r>
+            <a:endParaRPr lang="en-US" altLang="zh-CN" baseline="0" dirty="0" smtClean="0"/>
+          </a:p>
+          <a:p>
+            <a:pPr marL="0" indent="0">
+              <a:buNone/>
+            </a:pPr>
+            <a:endParaRPr lang="en-US" altLang="zh-CN" baseline="0" dirty="0" smtClean="0"/>
+          </a:p>
+          <a:p>
+            <a:pPr marL="0" indent="0">
+              <a:buNone/>
             </a:pPr>
             <a:endParaRPr lang="zh-CN" altLang="en-US" dirty="0"/>
           </a:p>
@@ -1683,7 +1590,7 @@
     </p:spTree>
     <p:extLst>
       <p:ext uri="{BB962C8B-B14F-4D97-AF65-F5344CB8AC3E}">
-        <p14:creationId xmlns:p14="http://schemas.microsoft.com/office/powerpoint/2010/main" val="115303243"/>
+        <p14:creationId xmlns:p14="http://schemas.microsoft.com/office/powerpoint/2010/main" val="2345205020"/>
       </p:ext>
     </p:extLst>
   </p:cSld>
@@ -7268,11 +7175,7 @@
             </a:r>
             <a:r>
               <a:rPr lang="zh-CN" altLang="en-US" dirty="0" smtClean="0"/>
-              <a:t>次</a:t>
-            </a:r>
-            <a:r>
-              <a:rPr lang="zh-CN" altLang="en-US" dirty="0" smtClean="0"/>
-              <a:t>）</a:t>
+              <a:t>次）</a:t>
             </a:r>
             <a:endParaRPr lang="zh-CN" altLang="en-US" dirty="0"/>
           </a:p>
@@ -10568,11 +10471,7 @@
             </a:r>
             <a:r>
               <a:rPr lang="zh-CN" altLang="en-US" dirty="0" smtClean="0"/>
-              <a:t>、</a:t>
-            </a:r>
-            <a:r>
-              <a:rPr lang="zh-CN" altLang="en-US" dirty="0" smtClean="0"/>
-              <a:t>学习方式</a:t>
+              <a:t>、学习方式</a:t>
             </a:r>
             <a:endParaRPr lang="en-US" altLang="zh-CN" sz="4400" dirty="0" smtClean="0">
               <a:latin typeface="华文新魏" pitchFamily="2" charset="-122"/>
@@ -10817,202 +10716,6 @@
 </file>
 
 <file path=ppt/slides/slide17.xml><?xml version="1.0" encoding="utf-8"?>
-<p:sld xmlns:a="http://schemas.openxmlformats.org/drawingml/2006/main" xmlns:r="http://schemas.openxmlformats.org/officeDocument/2006/relationships" xmlns:p="http://schemas.openxmlformats.org/presentationml/2006/main">
-  <p:cSld>
-    <p:spTree>
-      <p:nvGrpSpPr>
-        <p:cNvPr id="1" name=""/>
-        <p:cNvGrpSpPr/>
-        <p:nvPr/>
-      </p:nvGrpSpPr>
-      <p:grpSpPr>
-        <a:xfrm>
-          <a:off x="0" y="0"/>
-          <a:ext cx="0" cy="0"/>
-          <a:chOff x="0" y="0"/>
-          <a:chExt cx="0" cy="0"/>
-        </a:xfrm>
-      </p:grpSpPr>
-      <p:sp>
-        <p:nvSpPr>
-          <p:cNvPr id="2" name="标题 1"/>
-          <p:cNvSpPr>
-            <a:spLocks noGrp="1"/>
-          </p:cNvSpPr>
-          <p:nvPr>
-            <p:ph type="title"/>
-          </p:nvPr>
-        </p:nvSpPr>
-        <p:spPr/>
-        <p:txBody>
-          <a:bodyPr/>
-          <a:lstStyle/>
-          <a:p>
-            <a:r>
-              <a:rPr lang="zh-CN" altLang="en-US" dirty="0" smtClean="0"/>
-              <a:t>大学学前班</a:t>
-            </a:r>
-            <a:r>
-              <a:rPr lang="en-US" altLang="zh-CN" dirty="0" smtClean="0"/>
-              <a:t>——</a:t>
-            </a:r>
-            <a:r>
-              <a:rPr lang="zh-CN" altLang="en-US" dirty="0" smtClean="0"/>
-              <a:t>适应大学生活</a:t>
-            </a:r>
-            <a:endParaRPr lang="zh-CN" altLang="en-US" dirty="0"/>
-          </a:p>
-        </p:txBody>
-      </p:sp>
-      <p:sp>
-        <p:nvSpPr>
-          <p:cNvPr id="3" name="内容占位符 2"/>
-          <p:cNvSpPr>
-            <a:spLocks noGrp="1"/>
-          </p:cNvSpPr>
-          <p:nvPr>
-            <p:ph idx="1"/>
-          </p:nvPr>
-        </p:nvSpPr>
-        <p:spPr/>
-        <p:txBody>
-          <a:bodyPr/>
-          <a:lstStyle/>
-          <a:p>
-            <a:r>
-              <a:rPr lang="zh-CN" altLang="en-US" dirty="0" smtClean="0"/>
-              <a:t>大学目标 </a:t>
-            </a:r>
-            <a:r>
-              <a:rPr lang="en-US" altLang="zh-CN" dirty="0" smtClean="0">
-                <a:sym typeface="Wingdings" panose="05000000000000000000" pitchFamily="2" charset="2"/>
-              </a:rPr>
-              <a:t></a:t>
-            </a:r>
-            <a:r>
-              <a:rPr lang="en-US" altLang="zh-CN" dirty="0" smtClean="0"/>
-              <a:t> </a:t>
-            </a:r>
-            <a:r>
-              <a:rPr lang="zh-CN" altLang="en-US" dirty="0" smtClean="0"/>
-              <a:t>需要具备哪些能力</a:t>
-            </a:r>
-            <a:r>
-              <a:rPr lang="en-US" altLang="zh-CN" dirty="0" smtClean="0"/>
-              <a:t>	</a:t>
-            </a:r>
-            <a:r>
-              <a:rPr lang="en-US" altLang="zh-CN" dirty="0" smtClean="0">
-                <a:sym typeface="Wingdings" panose="05000000000000000000" pitchFamily="2" charset="2"/>
-              </a:rPr>
-              <a:t> </a:t>
-            </a:r>
-            <a:r>
-              <a:rPr lang="zh-CN" altLang="en-US" dirty="0" smtClean="0"/>
-              <a:t>投入</a:t>
-            </a:r>
-            <a:endParaRPr lang="en-US" altLang="zh-CN" dirty="0" smtClean="0"/>
-          </a:p>
-          <a:p>
-            <a:pPr lvl="1"/>
-            <a:r>
-              <a:rPr lang="zh-CN" altLang="en-US" dirty="0" smtClean="0"/>
-              <a:t>时间</a:t>
-            </a:r>
-            <a:endParaRPr lang="en-US" altLang="zh-CN" dirty="0" smtClean="0"/>
-          </a:p>
-          <a:p>
-            <a:pPr lvl="2"/>
-            <a:r>
-              <a:rPr lang="zh-CN" altLang="en-US" dirty="0" smtClean="0"/>
-              <a:t>保持健康</a:t>
-            </a:r>
-            <a:endParaRPr lang="en-US" altLang="zh-CN" dirty="0" smtClean="0"/>
-          </a:p>
-          <a:p>
-            <a:pPr lvl="2"/>
-            <a:r>
-              <a:rPr lang="zh-CN" altLang="en-US" dirty="0" smtClean="0"/>
-              <a:t>远离游戏（</a:t>
-            </a:r>
-            <a:r>
-              <a:rPr lang="en-US" altLang="zh-CN" dirty="0" smtClean="0"/>
-              <a:t>Don’t Kill Time</a:t>
-            </a:r>
-            <a:r>
-              <a:rPr lang="zh-CN" altLang="en-US" dirty="0" smtClean="0"/>
-              <a:t>）</a:t>
-            </a:r>
-            <a:endParaRPr lang="en-US" altLang="zh-CN" dirty="0" smtClean="0"/>
-          </a:p>
-          <a:p>
-            <a:pPr lvl="1"/>
-            <a:r>
-              <a:rPr lang="zh-CN" altLang="en-US" dirty="0" smtClean="0"/>
-              <a:t>金钱</a:t>
-            </a:r>
-            <a:endParaRPr lang="en-US" altLang="zh-CN" dirty="0" smtClean="0"/>
-          </a:p>
-          <a:p>
-            <a:pPr lvl="2"/>
-            <a:r>
-              <a:rPr lang="zh-CN" altLang="en-US" dirty="0" smtClean="0"/>
-              <a:t>兼职？</a:t>
-            </a:r>
-            <a:endParaRPr lang="en-US" altLang="zh-CN" dirty="0" smtClean="0"/>
-          </a:p>
-          <a:p>
-            <a:pPr lvl="2"/>
-            <a:r>
-              <a:rPr lang="zh-CN" altLang="en-US" dirty="0" smtClean="0"/>
-              <a:t>啃老？</a:t>
-            </a:r>
-            <a:endParaRPr lang="en-US" altLang="zh-CN" dirty="0" smtClean="0"/>
-          </a:p>
-          <a:p>
-            <a:r>
-              <a:rPr lang="zh-CN" altLang="en-US" dirty="0" smtClean="0"/>
-              <a:t>独立</a:t>
-            </a:r>
-            <a:endParaRPr lang="en-US" altLang="zh-CN" dirty="0" smtClean="0"/>
-          </a:p>
-          <a:p>
-            <a:pPr lvl="1"/>
-            <a:r>
-              <a:rPr lang="zh-CN" altLang="en-US" dirty="0" smtClean="0"/>
-              <a:t>尝试经济独立</a:t>
-            </a:r>
-            <a:endParaRPr lang="en-US" altLang="zh-CN" dirty="0" smtClean="0"/>
-          </a:p>
-          <a:p>
-            <a:pPr lvl="1"/>
-            <a:r>
-              <a:rPr lang="zh-CN" altLang="en-US" dirty="0" smtClean="0"/>
-              <a:t>保持思想独立</a:t>
-            </a:r>
-            <a:endParaRPr lang="en-US" altLang="zh-CN" dirty="0" smtClean="0"/>
-          </a:p>
-        </p:txBody>
-      </p:sp>
-    </p:spTree>
-  </p:cSld>
-  <p:clrMapOvr>
-    <a:masterClrMapping/>
-  </p:clrMapOvr>
-  <p:transition>
-    <p:pull dir="ru"/>
-  </p:transition>
-  <p:timing>
-    <p:tnLst>
-      <p:par>
-        <p:cTn id="1" dur="indefinite" restart="never" nodeType="tmRoot"/>
-      </p:par>
-    </p:tnLst>
-  </p:timing>
-</p:sld>
-</file>
-
-<file path=ppt/slides/slide18.xml><?xml version="1.0" encoding="utf-8"?>
 <p:sld xmlns:a="http://schemas.openxmlformats.org/drawingml/2006/main" xmlns:r="http://schemas.openxmlformats.org/officeDocument/2006/relationships" xmlns:p="http://schemas.openxmlformats.org/presentationml/2006/main">
   <p:cSld>
     <p:spTree>
@@ -12472,7 +12175,7 @@
 </p:sld>
 </file>
 
-<file path=ppt/slides/slide19.xml><?xml version="1.0" encoding="utf-8"?>
+<file path=ppt/slides/slide18.xml><?xml version="1.0" encoding="utf-8"?>
 <p:sld xmlns:a="http://schemas.openxmlformats.org/drawingml/2006/main" xmlns:r="http://schemas.openxmlformats.org/officeDocument/2006/relationships" xmlns:p="http://schemas.openxmlformats.org/presentationml/2006/main">
   <p:cSld>
     <p:spTree>
@@ -13750,6 +13453,233 @@
 </p:sld>
 </file>
 
+<file path=ppt/slides/slide19.xml><?xml version="1.0" encoding="utf-8"?>
+<p:sld xmlns:a="http://schemas.openxmlformats.org/drawingml/2006/main" xmlns:r="http://schemas.openxmlformats.org/officeDocument/2006/relationships" xmlns:p="http://schemas.openxmlformats.org/presentationml/2006/main">
+  <p:cSld>
+    <p:spTree>
+      <p:nvGrpSpPr>
+        <p:cNvPr id="1" name=""/>
+        <p:cNvGrpSpPr/>
+        <p:nvPr/>
+      </p:nvGrpSpPr>
+      <p:grpSpPr>
+        <a:xfrm>
+          <a:off x="0" y="0"/>
+          <a:ext cx="0" cy="0"/>
+          <a:chOff x="0" y="0"/>
+          <a:chExt cx="0" cy="0"/>
+        </a:xfrm>
+      </p:grpSpPr>
+      <p:sp>
+        <p:nvSpPr>
+          <p:cNvPr id="2" name="标题 1"/>
+          <p:cNvSpPr>
+            <a:spLocks noGrp="1"/>
+          </p:cNvSpPr>
+          <p:nvPr>
+            <p:ph type="title"/>
+          </p:nvPr>
+        </p:nvSpPr>
+        <p:spPr/>
+        <p:txBody>
+          <a:bodyPr/>
+          <a:lstStyle/>
+          <a:p>
+            <a:r>
+              <a:rPr lang="zh-CN" altLang="en-US" dirty="0" smtClean="0"/>
+              <a:t>学习</a:t>
+            </a:r>
+            <a:r>
+              <a:rPr lang="en-US" altLang="zh-CN" dirty="0" smtClean="0"/>
+              <a:t>C++</a:t>
+            </a:r>
+            <a:r>
+              <a:rPr lang="zh-CN" altLang="en-US" dirty="0" smtClean="0"/>
+              <a:t>的路线图</a:t>
+            </a:r>
+            <a:endParaRPr lang="zh-CN" altLang="en-US" dirty="0"/>
+          </a:p>
+        </p:txBody>
+      </p:sp>
+      <p:sp>
+        <p:nvSpPr>
+          <p:cNvPr id="3" name="内容占位符 2"/>
+          <p:cNvSpPr>
+            <a:spLocks noGrp="1"/>
+          </p:cNvSpPr>
+          <p:nvPr>
+            <p:ph idx="1"/>
+          </p:nvPr>
+        </p:nvSpPr>
+        <p:spPr/>
+        <p:txBody>
+          <a:bodyPr/>
+          <a:lstStyle/>
+          <a:p>
+            <a:r>
+              <a:rPr lang="zh-CN" altLang="en-US" dirty="0" smtClean="0">
+                <a:solidFill>
+                  <a:srgbClr val="FF0000"/>
+                </a:solidFill>
+              </a:rPr>
+              <a:t>简单</a:t>
+            </a:r>
+            <a:r>
+              <a:rPr lang="zh-CN" altLang="en-US" dirty="0">
+                <a:solidFill>
+                  <a:srgbClr val="FF0000"/>
+                </a:solidFill>
+              </a:rPr>
+              <a:t>程序 </a:t>
+            </a:r>
+            <a:r>
+              <a:rPr lang="en-US" altLang="zh-CN" dirty="0"/>
+              <a:t>-&gt;  </a:t>
+            </a:r>
+            <a:r>
+              <a:rPr lang="zh-CN" altLang="en-US" dirty="0" smtClean="0"/>
+              <a:t>熟悉简单程序的框架</a:t>
+            </a:r>
+            <a:endParaRPr lang="en-US" altLang="zh-CN" dirty="0" smtClean="0"/>
+          </a:p>
+          <a:p>
+            <a:r>
+              <a:rPr lang="zh-CN" altLang="en-US" dirty="0">
+                <a:solidFill>
+                  <a:srgbClr val="FF0000"/>
+                </a:solidFill>
+              </a:rPr>
+              <a:t>标准库</a:t>
+            </a:r>
+            <a:r>
+              <a:rPr lang="zh-CN" altLang="en-US" dirty="0"/>
+              <a:t>  </a:t>
+            </a:r>
+            <a:r>
+              <a:rPr lang="en-US" altLang="zh-CN" dirty="0"/>
+              <a:t>-&gt;  </a:t>
+            </a:r>
+            <a:r>
+              <a:rPr lang="zh-CN" altLang="en-US" dirty="0" smtClean="0"/>
+              <a:t>模仿，入门要正，从优秀库开始</a:t>
+            </a:r>
+            <a:endParaRPr lang="en-US" altLang="zh-CN" dirty="0" smtClean="0"/>
+          </a:p>
+          <a:p>
+            <a:r>
+              <a:rPr lang="zh-CN" altLang="en-US" dirty="0">
+                <a:solidFill>
+                  <a:srgbClr val="FF0000"/>
+                </a:solidFill>
+              </a:rPr>
+              <a:t>小规模的程序</a:t>
+            </a:r>
+            <a:r>
+              <a:rPr lang="zh-CN" altLang="en-US" dirty="0"/>
+              <a:t> </a:t>
+            </a:r>
+            <a:r>
+              <a:rPr lang="en-US" altLang="zh-CN" dirty="0"/>
+              <a:t>-&gt; </a:t>
+            </a:r>
+            <a:r>
+              <a:rPr lang="zh-CN" altLang="en-US" dirty="0" smtClean="0"/>
+              <a:t>通过写小程序，建立成就感</a:t>
+            </a:r>
+            <a:r>
+              <a:rPr lang="en-US" altLang="zh-CN" dirty="0" smtClean="0"/>
+              <a:t> </a:t>
+            </a:r>
+          </a:p>
+          <a:p>
+            <a:r>
+              <a:rPr lang="zh-CN" altLang="en-US" dirty="0">
+                <a:solidFill>
+                  <a:srgbClr val="FF0000"/>
+                </a:solidFill>
+              </a:rPr>
+              <a:t>量变到质变 </a:t>
+            </a:r>
+            <a:r>
+              <a:rPr lang="en-US" altLang="zh-CN" dirty="0" smtClean="0"/>
+              <a:t>-&gt; </a:t>
+            </a:r>
+            <a:r>
+              <a:rPr lang="zh-CN" altLang="en-US" dirty="0" smtClean="0"/>
+              <a:t>大量的积累</a:t>
+            </a:r>
+            <a:endParaRPr lang="en-US" altLang="zh-CN" dirty="0" smtClean="0"/>
+          </a:p>
+          <a:p>
+            <a:r>
+              <a:rPr lang="zh-CN" altLang="en-US" dirty="0">
+                <a:solidFill>
+                  <a:srgbClr val="FF0000"/>
+                </a:solidFill>
+              </a:rPr>
+              <a:t>建立面向对象思想 </a:t>
+            </a:r>
+            <a:r>
+              <a:rPr lang="en-US" altLang="zh-CN" dirty="0" smtClean="0"/>
+              <a:t>-&gt; </a:t>
+            </a:r>
+            <a:r>
+              <a:rPr lang="zh-CN" altLang="en-US" dirty="0" smtClean="0"/>
+              <a:t>通过模仿，写程序</a:t>
+            </a:r>
+            <a:endParaRPr lang="en-US" altLang="zh-CN" dirty="0" smtClean="0"/>
+          </a:p>
+          <a:p>
+            <a:r>
+              <a:rPr lang="zh-CN" altLang="en-US" dirty="0">
+                <a:solidFill>
+                  <a:srgbClr val="FF0000"/>
+                </a:solidFill>
+              </a:rPr>
+              <a:t>设计自己的类  </a:t>
+            </a:r>
+            <a:r>
+              <a:rPr lang="en-US" altLang="zh-CN" dirty="0"/>
+              <a:t>-&gt; </a:t>
+            </a:r>
+            <a:r>
+              <a:rPr lang="zh-CN" altLang="en-US" dirty="0" smtClean="0"/>
+              <a:t>转换问题</a:t>
+            </a:r>
+            <a:endParaRPr lang="en-US" altLang="zh-CN" dirty="0" smtClean="0"/>
+          </a:p>
+          <a:p>
+            <a:r>
+              <a:rPr lang="zh-CN" altLang="en-US" dirty="0">
+                <a:solidFill>
+                  <a:srgbClr val="FF0000"/>
+                </a:solidFill>
+              </a:rPr>
+              <a:t>迈向大型开发 </a:t>
+            </a:r>
+            <a:r>
+              <a:rPr lang="en-US" altLang="zh-CN" dirty="0" smtClean="0"/>
+              <a:t>-&gt;</a:t>
+            </a:r>
+            <a:r>
+              <a:rPr lang="zh-CN" altLang="en-US" smtClean="0"/>
+              <a:t> 积累经验</a:t>
+            </a:r>
+            <a:endParaRPr lang="zh-CN" altLang="en-US" dirty="0"/>
+          </a:p>
+        </p:txBody>
+      </p:sp>
+    </p:spTree>
+  </p:cSld>
+  <p:clrMapOvr>
+    <a:masterClrMapping/>
+  </p:clrMapOvr>
+  <p:transition>
+    <p:pull dir="ru"/>
+  </p:transition>
+</p:sld>
+</file>
+
 <file path=ppt/slides/slide2.xml><?xml version="1.0" encoding="utf-8"?>
 <p:sld xmlns:a="http://schemas.openxmlformats.org/drawingml/2006/main" xmlns:r="http://schemas.openxmlformats.org/officeDocument/2006/relationships" xmlns:p="http://schemas.openxmlformats.org/presentationml/2006/main">
   <p:cSld>
@@ -13872,233 +13802,6 @@
 </file>
 
 <file path=ppt/slides/slide20.xml><?xml version="1.0" encoding="utf-8"?>
-<p:sld xmlns:a="http://schemas.openxmlformats.org/drawingml/2006/main" xmlns:r="http://schemas.openxmlformats.org/officeDocument/2006/relationships" xmlns:p="http://schemas.openxmlformats.org/presentationml/2006/main">
-  <p:cSld>
-    <p:spTree>
-      <p:nvGrpSpPr>
-        <p:cNvPr id="1" name=""/>
-        <p:cNvGrpSpPr/>
-        <p:nvPr/>
-      </p:nvGrpSpPr>
-      <p:grpSpPr>
-        <a:xfrm>
-          <a:off x="0" y="0"/>
-          <a:ext cx="0" cy="0"/>
-          <a:chOff x="0" y="0"/>
-          <a:chExt cx="0" cy="0"/>
-        </a:xfrm>
-      </p:grpSpPr>
-      <p:sp>
-        <p:nvSpPr>
-          <p:cNvPr id="2" name="标题 1"/>
-          <p:cNvSpPr>
-            <a:spLocks noGrp="1"/>
-          </p:cNvSpPr>
-          <p:nvPr>
-            <p:ph type="title"/>
-          </p:nvPr>
-        </p:nvSpPr>
-        <p:spPr/>
-        <p:txBody>
-          <a:bodyPr/>
-          <a:lstStyle/>
-          <a:p>
-            <a:r>
-              <a:rPr lang="zh-CN" altLang="en-US" dirty="0" smtClean="0"/>
-              <a:t>学习</a:t>
-            </a:r>
-            <a:r>
-              <a:rPr lang="en-US" altLang="zh-CN" dirty="0" smtClean="0"/>
-              <a:t>C++</a:t>
-            </a:r>
-            <a:r>
-              <a:rPr lang="zh-CN" altLang="en-US" dirty="0" smtClean="0"/>
-              <a:t>的路线图</a:t>
-            </a:r>
-            <a:endParaRPr lang="zh-CN" altLang="en-US" dirty="0"/>
-          </a:p>
-        </p:txBody>
-      </p:sp>
-      <p:sp>
-        <p:nvSpPr>
-          <p:cNvPr id="3" name="内容占位符 2"/>
-          <p:cNvSpPr>
-            <a:spLocks noGrp="1"/>
-          </p:cNvSpPr>
-          <p:nvPr>
-            <p:ph idx="1"/>
-          </p:nvPr>
-        </p:nvSpPr>
-        <p:spPr/>
-        <p:txBody>
-          <a:bodyPr/>
-          <a:lstStyle/>
-          <a:p>
-            <a:r>
-              <a:rPr lang="zh-CN" altLang="en-US" dirty="0" smtClean="0">
-                <a:solidFill>
-                  <a:srgbClr val="FF0000"/>
-                </a:solidFill>
-              </a:rPr>
-              <a:t>简单</a:t>
-            </a:r>
-            <a:r>
-              <a:rPr lang="zh-CN" altLang="en-US" dirty="0">
-                <a:solidFill>
-                  <a:srgbClr val="FF0000"/>
-                </a:solidFill>
-              </a:rPr>
-              <a:t>程序 </a:t>
-            </a:r>
-            <a:r>
-              <a:rPr lang="en-US" altLang="zh-CN" dirty="0"/>
-              <a:t>-&gt;  </a:t>
-            </a:r>
-            <a:r>
-              <a:rPr lang="zh-CN" altLang="en-US" dirty="0" smtClean="0"/>
-              <a:t>熟悉简单程序的框架</a:t>
-            </a:r>
-            <a:endParaRPr lang="en-US" altLang="zh-CN" dirty="0" smtClean="0"/>
-          </a:p>
-          <a:p>
-            <a:r>
-              <a:rPr lang="zh-CN" altLang="en-US" dirty="0">
-                <a:solidFill>
-                  <a:srgbClr val="FF0000"/>
-                </a:solidFill>
-              </a:rPr>
-              <a:t>标准库</a:t>
-            </a:r>
-            <a:r>
-              <a:rPr lang="zh-CN" altLang="en-US" dirty="0"/>
-              <a:t>  </a:t>
-            </a:r>
-            <a:r>
-              <a:rPr lang="en-US" altLang="zh-CN" dirty="0"/>
-              <a:t>-&gt;  </a:t>
-            </a:r>
-            <a:r>
-              <a:rPr lang="zh-CN" altLang="en-US" dirty="0" smtClean="0"/>
-              <a:t>模仿，入门要正，从优秀库开始</a:t>
-            </a:r>
-            <a:endParaRPr lang="en-US" altLang="zh-CN" dirty="0" smtClean="0"/>
-          </a:p>
-          <a:p>
-            <a:r>
-              <a:rPr lang="zh-CN" altLang="en-US" dirty="0">
-                <a:solidFill>
-                  <a:srgbClr val="FF0000"/>
-                </a:solidFill>
-              </a:rPr>
-              <a:t>小规模的程序</a:t>
-            </a:r>
-            <a:r>
-              <a:rPr lang="zh-CN" altLang="en-US" dirty="0"/>
-              <a:t> </a:t>
-            </a:r>
-            <a:r>
-              <a:rPr lang="en-US" altLang="zh-CN" dirty="0"/>
-              <a:t>-&gt; </a:t>
-            </a:r>
-            <a:r>
-              <a:rPr lang="zh-CN" altLang="en-US" dirty="0" smtClean="0"/>
-              <a:t>通过写小程序，建立成就感</a:t>
-            </a:r>
-            <a:r>
-              <a:rPr lang="en-US" altLang="zh-CN" dirty="0" smtClean="0"/>
-              <a:t> </a:t>
-            </a:r>
-          </a:p>
-          <a:p>
-            <a:r>
-              <a:rPr lang="zh-CN" altLang="en-US" dirty="0">
-                <a:solidFill>
-                  <a:srgbClr val="FF0000"/>
-                </a:solidFill>
-              </a:rPr>
-              <a:t>量变到质变 </a:t>
-            </a:r>
-            <a:r>
-              <a:rPr lang="en-US" altLang="zh-CN" dirty="0" smtClean="0"/>
-              <a:t>-&gt; </a:t>
-            </a:r>
-            <a:r>
-              <a:rPr lang="zh-CN" altLang="en-US" dirty="0" smtClean="0"/>
-              <a:t>大量的积累</a:t>
-            </a:r>
-            <a:endParaRPr lang="en-US" altLang="zh-CN" dirty="0" smtClean="0"/>
-          </a:p>
-          <a:p>
-            <a:r>
-              <a:rPr lang="zh-CN" altLang="en-US" dirty="0">
-                <a:solidFill>
-                  <a:srgbClr val="FF0000"/>
-                </a:solidFill>
-              </a:rPr>
-              <a:t>建立面向对象思想 </a:t>
-            </a:r>
-            <a:r>
-              <a:rPr lang="en-US" altLang="zh-CN" dirty="0" smtClean="0"/>
-              <a:t>-&gt; </a:t>
-            </a:r>
-            <a:r>
-              <a:rPr lang="zh-CN" altLang="en-US" dirty="0" smtClean="0"/>
-              <a:t>通过模仿，写程序</a:t>
-            </a:r>
-            <a:endParaRPr lang="en-US" altLang="zh-CN" dirty="0" smtClean="0"/>
-          </a:p>
-          <a:p>
-            <a:r>
-              <a:rPr lang="zh-CN" altLang="en-US" dirty="0">
-                <a:solidFill>
-                  <a:srgbClr val="FF0000"/>
-                </a:solidFill>
-              </a:rPr>
-              <a:t>设计自己的类  </a:t>
-            </a:r>
-            <a:r>
-              <a:rPr lang="en-US" altLang="zh-CN" dirty="0"/>
-              <a:t>-&gt; </a:t>
-            </a:r>
-            <a:r>
-              <a:rPr lang="zh-CN" altLang="en-US" dirty="0" smtClean="0"/>
-              <a:t>转换问题</a:t>
-            </a:r>
-            <a:endParaRPr lang="en-US" altLang="zh-CN" dirty="0" smtClean="0"/>
-          </a:p>
-          <a:p>
-            <a:r>
-              <a:rPr lang="zh-CN" altLang="en-US" dirty="0">
-                <a:solidFill>
-                  <a:srgbClr val="FF0000"/>
-                </a:solidFill>
-              </a:rPr>
-              <a:t>迈向大型开发 </a:t>
-            </a:r>
-            <a:r>
-              <a:rPr lang="en-US" altLang="zh-CN" dirty="0" smtClean="0"/>
-              <a:t>-&gt;</a:t>
-            </a:r>
-            <a:r>
-              <a:rPr lang="zh-CN" altLang="en-US" smtClean="0"/>
-              <a:t> 积累经验</a:t>
-            </a:r>
-            <a:endParaRPr lang="zh-CN" altLang="en-US" dirty="0"/>
-          </a:p>
-        </p:txBody>
-      </p:sp>
-    </p:spTree>
-  </p:cSld>
-  <p:clrMapOvr>
-    <a:masterClrMapping/>
-  </p:clrMapOvr>
-  <p:transition>
-    <p:pull dir="ru"/>
-  </p:transition>
-</p:sld>
-</file>
-
-<file path=ppt/slides/slide21.xml><?xml version="1.0" encoding="utf-8"?>
 <p:sld xmlns:a="http://schemas.openxmlformats.org/drawingml/2006/main" xmlns:r="http://schemas.openxmlformats.org/officeDocument/2006/relationships" xmlns:p="http://schemas.openxmlformats.org/presentationml/2006/main">
   <p:cSld>
     <p:spTree>
@@ -14387,6 +14090,259 @@
 </p:sld>
 </file>
 
+<file path=ppt/slides/slide21.xml><?xml version="1.0" encoding="utf-8"?>
+<p:sld xmlns:a="http://schemas.openxmlformats.org/drawingml/2006/main" xmlns:r="http://schemas.openxmlformats.org/officeDocument/2006/relationships" xmlns:p="http://schemas.openxmlformats.org/presentationml/2006/main">
+  <p:cSld>
+    <p:spTree>
+      <p:nvGrpSpPr>
+        <p:cNvPr id="1" name=""/>
+        <p:cNvGrpSpPr/>
+        <p:nvPr/>
+      </p:nvGrpSpPr>
+      <p:grpSpPr>
+        <a:xfrm>
+          <a:off x="0" y="0"/>
+          <a:ext cx="0" cy="0"/>
+          <a:chOff x="0" y="0"/>
+          <a:chExt cx="0" cy="0"/>
+        </a:xfrm>
+      </p:grpSpPr>
+      <p:sp>
+        <p:nvSpPr>
+          <p:cNvPr id="2" name="标题 1"/>
+          <p:cNvSpPr>
+            <a:spLocks noGrp="1"/>
+          </p:cNvSpPr>
+          <p:nvPr>
+            <p:ph type="title"/>
+          </p:nvPr>
+        </p:nvSpPr>
+        <p:spPr/>
+        <p:txBody>
+          <a:bodyPr/>
+          <a:lstStyle/>
+          <a:p>
+            <a:r>
+              <a:rPr lang="zh-CN" altLang="en-US" dirty="0"/>
+              <a:t>程序设计入门</a:t>
+            </a:r>
+            <a:r>
+              <a:rPr lang="en-US" altLang="zh-CN" dirty="0"/>
+              <a:t>——</a:t>
+            </a:r>
+            <a:r>
+              <a:rPr lang="zh-CN" altLang="en-US" dirty="0"/>
+              <a:t>几点</a:t>
+            </a:r>
+            <a:r>
+              <a:rPr lang="zh-CN" altLang="en-US" dirty="0" smtClean="0"/>
+              <a:t>忠告（续）</a:t>
+            </a:r>
+            <a:endParaRPr lang="zh-CN" altLang="en-US" dirty="0"/>
+          </a:p>
+        </p:txBody>
+      </p:sp>
+      <p:sp>
+        <p:nvSpPr>
+          <p:cNvPr id="3" name="内容占位符 2"/>
+          <p:cNvSpPr>
+            <a:spLocks noGrp="1"/>
+          </p:cNvSpPr>
+          <p:nvPr>
+            <p:ph idx="1"/>
+          </p:nvPr>
+        </p:nvSpPr>
+        <p:spPr/>
+        <p:txBody>
+          <a:bodyPr/>
+          <a:lstStyle/>
+          <a:p>
+            <a:r>
+              <a:rPr lang="zh-CN" altLang="en-US" dirty="0" smtClean="0"/>
+              <a:t>学好英语</a:t>
+            </a:r>
+            <a:endParaRPr lang="en-US" altLang="zh-CN" dirty="0" smtClean="0"/>
+          </a:p>
+          <a:p>
+            <a:pPr lvl="1"/>
+            <a:r>
+              <a:rPr lang="zh-CN" altLang="en-US" dirty="0" smtClean="0"/>
+              <a:t>大多数的资源都是用英语写成的，尽管机器翻译很厉害，但却容易丢失情感和思想。</a:t>
+            </a:r>
+            <a:endParaRPr lang="en-US" altLang="zh-CN" dirty="0" smtClean="0"/>
+          </a:p>
+          <a:p>
+            <a:r>
+              <a:rPr lang="zh-CN" altLang="en-US" dirty="0" smtClean="0"/>
+              <a:t>学会提问</a:t>
+            </a:r>
+            <a:endParaRPr lang="en-US" altLang="zh-CN" dirty="0" smtClean="0"/>
+          </a:p>
+          <a:p>
+            <a:pPr lvl="1"/>
+            <a:r>
+              <a:rPr lang="zh-CN" altLang="en-US" dirty="0" smtClean="0"/>
+              <a:t>提问要</a:t>
+            </a:r>
+            <a:r>
+              <a:rPr lang="zh-CN" altLang="en-US" u="sng" dirty="0" smtClean="0">
+                <a:solidFill>
+                  <a:srgbClr val="FF0000"/>
+                </a:solidFill>
+              </a:rPr>
+              <a:t>明确、清晰而具体</a:t>
+            </a:r>
+            <a:r>
+              <a:rPr lang="zh-CN" altLang="en-US" dirty="0" smtClean="0"/>
+              <a:t>，而不是含糊、宏观的问题</a:t>
+            </a:r>
+            <a:endParaRPr lang="en-US" altLang="zh-CN" dirty="0" smtClean="0"/>
+          </a:p>
+          <a:p>
+            <a:r>
+              <a:rPr lang="zh-CN" altLang="en-US" dirty="0" smtClean="0"/>
+              <a:t>不要做一匹孤狼</a:t>
+            </a:r>
+            <a:endParaRPr lang="en-US" altLang="zh-CN" dirty="0" smtClean="0"/>
+          </a:p>
+          <a:p>
+            <a:pPr lvl="1"/>
+            <a:r>
+              <a:rPr lang="zh-CN" altLang="en-US" dirty="0" smtClean="0"/>
+              <a:t>互联网改变了我们的世界，他的本质就是</a:t>
+            </a:r>
+            <a:r>
+              <a:rPr lang="zh-CN" altLang="en-US" u="sng" dirty="0" smtClean="0">
+                <a:solidFill>
+                  <a:srgbClr val="FF0000"/>
+                </a:solidFill>
+              </a:rPr>
+              <a:t>自由与分享</a:t>
+            </a:r>
+            <a:r>
+              <a:rPr lang="zh-CN" altLang="en-US" dirty="0" smtClean="0"/>
+              <a:t>。不要埋头苦干，自我封闭，而应该</a:t>
+            </a:r>
+            <a:r>
+              <a:rPr lang="zh-CN" altLang="en-US" u="sng" dirty="0" smtClean="0">
+                <a:solidFill>
+                  <a:srgbClr val="FF0000"/>
+                </a:solidFill>
+              </a:rPr>
+              <a:t>开放、分享并乐于助人</a:t>
+            </a:r>
+            <a:r>
+              <a:rPr lang="zh-CN" altLang="en-US" dirty="0" smtClean="0"/>
+              <a:t>。</a:t>
+            </a:r>
+            <a:endParaRPr lang="en-US" altLang="zh-CN" dirty="0" smtClean="0"/>
+          </a:p>
+          <a:p>
+            <a:r>
+              <a:rPr lang="zh-CN" altLang="en-US" dirty="0" smtClean="0"/>
+              <a:t>程序语言入门，</a:t>
+            </a:r>
+            <a:r>
+              <a:rPr lang="zh-CN" altLang="en-US" u="sng" dirty="0"/>
+              <a:t>不在于多而在于</a:t>
+            </a:r>
+            <a:r>
+              <a:rPr lang="zh-CN" altLang="en-US" u="sng" dirty="0" smtClean="0">
+                <a:solidFill>
+                  <a:srgbClr val="FF0000"/>
+                </a:solidFill>
+              </a:rPr>
+              <a:t>精</a:t>
+            </a:r>
+            <a:endParaRPr lang="en-US" altLang="zh-CN" u="sng" dirty="0" smtClean="0">
+              <a:solidFill>
+                <a:srgbClr val="FF0000"/>
+              </a:solidFill>
+            </a:endParaRPr>
+          </a:p>
+          <a:p>
+            <a:pPr lvl="1"/>
+            <a:r>
+              <a:rPr lang="zh-CN" altLang="en-US" dirty="0" smtClean="0"/>
+              <a:t>世上的编程语言多达</a:t>
+            </a:r>
+            <a:r>
+              <a:rPr lang="en-US" altLang="zh-CN" dirty="0" smtClean="0"/>
+              <a:t>100</a:t>
+            </a:r>
+            <a:r>
+              <a:rPr lang="zh-CN" altLang="en-US" dirty="0" smtClean="0"/>
+              <a:t>多种，不知如何选择？那就从</a:t>
+            </a:r>
+            <a:r>
+              <a:rPr lang="en-US" altLang="zh-CN" dirty="0" smtClean="0"/>
+              <a:t>C++</a:t>
+            </a:r>
+            <a:r>
+              <a:rPr lang="zh-CN" altLang="en-US" dirty="0" smtClean="0"/>
+              <a:t>开始。</a:t>
+            </a:r>
+            <a:endParaRPr lang="en-US" altLang="zh-CN" u="sng" dirty="0">
+              <a:solidFill>
+                <a:srgbClr val="FF0000"/>
+              </a:solidFill>
+            </a:endParaRPr>
+          </a:p>
+          <a:p>
+            <a:r>
+              <a:rPr lang="zh-CN" altLang="en-US" dirty="0"/>
+              <a:t>完事开头难，</a:t>
+            </a:r>
+            <a:r>
+              <a:rPr lang="zh-CN" altLang="en-US" u="sng" dirty="0" smtClean="0">
+                <a:solidFill>
+                  <a:srgbClr val="FF0000"/>
+                </a:solidFill>
+              </a:rPr>
+              <a:t>坚持不懈</a:t>
+            </a:r>
+            <a:r>
+              <a:rPr lang="zh-CN" altLang="en-US" dirty="0" smtClean="0"/>
+              <a:t>就</a:t>
+            </a:r>
+            <a:r>
+              <a:rPr lang="zh-CN" altLang="en-US" dirty="0"/>
+              <a:t>会上升到新</a:t>
+            </a:r>
+            <a:r>
+              <a:rPr lang="zh-CN" altLang="en-US" dirty="0" smtClean="0"/>
+              <a:t>境界</a:t>
+            </a:r>
+            <a:endParaRPr lang="en-US" altLang="zh-CN" dirty="0" smtClean="0"/>
+          </a:p>
+          <a:p>
+            <a:pPr lvl="1"/>
+            <a:r>
+              <a:rPr lang="zh-CN" altLang="en-US" dirty="0" smtClean="0"/>
+              <a:t>勇敢跳出“舒适区”，会有不一样的体验</a:t>
+            </a:r>
+            <a:endParaRPr lang="en-US" altLang="zh-CN" dirty="0" smtClean="0"/>
+          </a:p>
+        </p:txBody>
+      </p:sp>
+    </p:spTree>
+  </p:cSld>
+  <p:clrMapOvr>
+    <a:masterClrMapping/>
+  </p:clrMapOvr>
+  <p:transition>
+    <p:pull dir="ru"/>
+  </p:transition>
+  <p:timing>
+    <p:tnLst>
+      <p:par>
+        <p:cTn id="1" dur="indefinite" restart="never" nodeType="tmRoot"/>
+      </p:par>
+    </p:tnLst>
+  </p:timing>
+</p:sld>
+</file>
+
 <file path=ppt/slides/slide22.xml><?xml version="1.0" encoding="utf-8"?>
 <p:sld xmlns:a="http://schemas.openxmlformats.org/drawingml/2006/main" xmlns:r="http://schemas.openxmlformats.org/officeDocument/2006/relationships" xmlns:p="http://schemas.openxmlformats.org/presentationml/2006/main">
   <p:cSld>
@@ -14429,13 +14385,8 @@
             </a:r>
             <a:r>
               <a:rPr lang="zh-CN" altLang="en-US" dirty="0"/>
-              <a:t>几点</a:t>
-            </a:r>
-            <a:r>
-              <a:rPr lang="zh-CN" altLang="en-US" dirty="0" smtClean="0"/>
-              <a:t>忠告（续）</a:t>
-            </a:r>
-            <a:endParaRPr lang="zh-CN" altLang="en-US" dirty="0"/>
+              <a:t>几点忠告（续）</a:t>
+            </a:r>
           </a:p>
         </p:txBody>
       </p:sp>
@@ -14456,22 +14407,34 @@
           <a:p>
             <a:r>
               <a:rPr lang="zh-CN" altLang="en-US" dirty="0" smtClean="0"/>
-              <a:t>学好英语</a:t>
+              <a:t>不要纠结，上路就好</a:t>
             </a:r>
             <a:endParaRPr lang="en-US" altLang="zh-CN" dirty="0" smtClean="0"/>
           </a:p>
           <a:p>
             <a:pPr lvl="1"/>
             <a:r>
+              <a:rPr lang="zh-CN" altLang="en-US" dirty="0"/>
+              <a:t>与其踌躇不前，</a:t>
+            </a:r>
+            <a:r>
               <a:rPr lang="zh-CN" altLang="en-US" dirty="0" smtClean="0"/>
-              <a:t>大多数的资源都是用英语写成的，尽管机器翻译很厉害，但却容易丢失情感和思想。</a:t>
+              <a:t>不如保留好奇之心，就此上路</a:t>
             </a:r>
             <a:endParaRPr lang="en-US" altLang="zh-CN" dirty="0" smtClean="0"/>
           </a:p>
           <a:p>
             <a:r>
               <a:rPr lang="zh-CN" altLang="en-US" dirty="0" smtClean="0"/>
-              <a:t>学会提问</a:t>
+              <a:t>学习程序的秘诀</a:t>
+            </a:r>
+            <a:endParaRPr lang="en-US" altLang="zh-CN" dirty="0"/>
+          </a:p>
+          <a:p>
+            <a:pPr lvl="1"/>
+            <a:r>
+              <a:rPr lang="zh-CN" altLang="en-US" dirty="0" smtClean="0"/>
+              <a:t>编程、编程、再编程</a:t>
             </a:r>
             <a:endParaRPr lang="en-US" altLang="zh-CN" dirty="0" smtClean="0"/>
           </a:p>
@@ -14479,144 +14442,177 @@
             <a:pPr lvl="1"/>
             <a:r>
               <a:rPr lang="zh-CN" altLang="en-US" dirty="0" smtClean="0"/>
-              <a:t>提问要</a:t>
-            </a:r>
-            <a:r>
-              <a:rPr lang="zh-CN" altLang="en-US" u="sng" dirty="0" smtClean="0">
+              <a:t>要</a:t>
+            </a:r>
+            <a:r>
+              <a:rPr lang="zh-CN" altLang="en-US" dirty="0"/>
+              <a:t>说有的话，</a:t>
+            </a:r>
+            <a:r>
+              <a:rPr lang="zh-CN" altLang="en-US" dirty="0" smtClean="0"/>
+              <a:t>那就是</a:t>
+            </a:r>
+            <a:r>
+              <a:rPr lang="zh-CN" altLang="en-US" dirty="0"/>
+              <a:t>上机</a:t>
+            </a:r>
+            <a:r>
+              <a:rPr lang="en-US" altLang="zh-CN" dirty="0">
                 <a:solidFill>
                   <a:srgbClr val="FF0000"/>
                 </a:solidFill>
               </a:rPr>
-              <a:t>明确、清晰而具体</a:t>
-            </a:r>
-            <a:r>
-              <a:rPr lang="zh-CN" altLang="en-US" dirty="0" smtClean="0"/>
-              <a:t>，而不是含糊、宏观的问题</a:t>
-            </a:r>
-            <a:endParaRPr lang="en-US" altLang="zh-CN" dirty="0" smtClean="0"/>
-          </a:p>
-          <a:p>
-            <a:r>
-              <a:rPr lang="zh-CN" altLang="en-US" dirty="0" smtClean="0"/>
-              <a:t>不要做一匹孤狼</a:t>
-            </a:r>
-            <a:endParaRPr lang="en-US" altLang="zh-CN" dirty="0" smtClean="0"/>
-          </a:p>
-          <a:p>
-            <a:pPr lvl="1"/>
-            <a:r>
-              <a:rPr lang="zh-CN" altLang="en-US" dirty="0" smtClean="0"/>
-              <a:t>互联网改变了我们的世界，他的本质就是</a:t>
-            </a:r>
-            <a:r>
-              <a:rPr lang="zh-CN" altLang="en-US" u="sng" dirty="0" smtClean="0">
+              <a:t>coding</a:t>
+            </a:r>
+            <a:r>
+              <a:rPr lang="zh-CN" altLang="en-US" dirty="0">
                 <a:solidFill>
                   <a:srgbClr val="FF0000"/>
                 </a:solidFill>
               </a:rPr>
-              <a:t>自由与分享</a:t>
-            </a:r>
-            <a:r>
-              <a:rPr lang="zh-CN" altLang="en-US" dirty="0" smtClean="0"/>
-              <a:t>。不要埋头苦干，自我封闭，而应该</a:t>
-            </a:r>
-            <a:r>
-              <a:rPr lang="zh-CN" altLang="en-US" u="sng" dirty="0" smtClean="0">
+              <a:t>、</a:t>
+            </a:r>
+            <a:r>
+              <a:rPr lang="en-US" altLang="zh-CN" dirty="0">
                 <a:solidFill>
                   <a:srgbClr val="FF0000"/>
                 </a:solidFill>
               </a:rPr>
-              <a:t>开放、分享并乐于助人</a:t>
-            </a:r>
-            <a:r>
-              <a:rPr lang="zh-CN" altLang="en-US" dirty="0" smtClean="0"/>
-              <a:t>。</a:t>
-            </a:r>
-            <a:endParaRPr lang="en-US" altLang="zh-CN" dirty="0" smtClean="0"/>
-          </a:p>
-          <a:p>
-            <a:r>
-              <a:rPr lang="zh-CN" altLang="en-US" dirty="0" smtClean="0"/>
-              <a:t>程序语言入门，</a:t>
-            </a:r>
-            <a:r>
-              <a:rPr lang="zh-CN" altLang="en-US" u="sng" dirty="0"/>
-              <a:t>不在于多而在于</a:t>
-            </a:r>
-            <a:r>
-              <a:rPr lang="zh-CN" altLang="en-US" u="sng" dirty="0" smtClean="0">
+              <a:t>debug</a:t>
+            </a:r>
+            <a:r>
+              <a:rPr lang="zh-CN" altLang="en-US" dirty="0">
                 <a:solidFill>
                   <a:srgbClr val="FF0000"/>
                 </a:solidFill>
               </a:rPr>
-              <a:t>精</a:t>
-            </a:r>
-            <a:endParaRPr lang="en-US" altLang="zh-CN" u="sng" dirty="0" smtClean="0">
-              <a:solidFill>
-                <a:srgbClr val="FF0000"/>
-              </a:solidFill>
-            </a:endParaRPr>
-          </a:p>
-          <a:p>
-            <a:pPr lvl="1"/>
-            <a:r>
-              <a:rPr lang="zh-CN" altLang="en-US" dirty="0" smtClean="0"/>
-              <a:t>世上的编程语言多达</a:t>
-            </a:r>
-            <a:r>
-              <a:rPr lang="en-US" altLang="zh-CN" dirty="0" smtClean="0"/>
-              <a:t>100</a:t>
-            </a:r>
-            <a:r>
-              <a:rPr lang="zh-CN" altLang="en-US" dirty="0" smtClean="0"/>
-              <a:t>多种，不知如何选择？那就从</a:t>
-            </a:r>
-            <a:r>
-              <a:rPr lang="en-US" altLang="zh-CN" dirty="0" smtClean="0"/>
-              <a:t>C++</a:t>
-            </a:r>
-            <a:r>
-              <a:rPr lang="zh-CN" altLang="en-US" dirty="0" smtClean="0"/>
-              <a:t>开始。</a:t>
-            </a:r>
-            <a:endParaRPr lang="en-US" altLang="zh-CN" u="sng" dirty="0">
-              <a:solidFill>
-                <a:srgbClr val="FF0000"/>
-              </a:solidFill>
-            </a:endParaRPr>
-          </a:p>
-          <a:p>
-            <a:r>
-              <a:rPr lang="zh-CN" altLang="en-US" dirty="0"/>
-              <a:t>完事开头难，</a:t>
-            </a:r>
-            <a:r>
-              <a:rPr lang="zh-CN" altLang="en-US" u="sng" dirty="0" smtClean="0">
+              <a:t>、</a:t>
+            </a:r>
+            <a:r>
+              <a:rPr lang="en-US" altLang="zh-CN" dirty="0">
                 <a:solidFill>
                   <a:srgbClr val="FF0000"/>
                 </a:solidFill>
               </a:rPr>
-              <a:t>坚持不懈</a:t>
-            </a:r>
+              <a:t>reading and thinking</a:t>
+            </a:r>
+          </a:p>
+          <a:p>
+            <a:pPr eaLnBrk="1" hangingPunct="1">
+              <a:lnSpc>
+                <a:spcPct val="110000"/>
+              </a:lnSpc>
+              <a:spcBef>
+                <a:spcPct val="50000"/>
+              </a:spcBef>
+              <a:defRPr/>
+            </a:pPr>
             <a:r>
               <a:rPr lang="zh-CN" altLang="en-US" dirty="0" smtClean="0"/>
-              <a:t>就</a:t>
-            </a:r>
+              <a:t>遇到错误不要惊慌失措</a:t>
+            </a:r>
+            <a:endParaRPr lang="en-US" altLang="zh-CN" dirty="0" smtClean="0"/>
+          </a:p>
+          <a:p>
+            <a:pPr lvl="1" eaLnBrk="1" hangingPunct="1">
+              <a:lnSpc>
+                <a:spcPct val="110000"/>
+              </a:lnSpc>
+              <a:spcBef>
+                <a:spcPct val="50000"/>
+              </a:spcBef>
+              <a:defRPr/>
+            </a:pPr>
+            <a:r>
+              <a:rPr lang="zh-CN" altLang="en-US" dirty="0" smtClean="0"/>
+              <a:t>新的技能就是在不断的犯错、改错中获得的，错误没什么大不了</a:t>
+            </a:r>
+            <a:endParaRPr lang="en-US" altLang="zh-CN" dirty="0" smtClean="0"/>
+          </a:p>
+          <a:p>
+            <a:pPr eaLnBrk="1" hangingPunct="1">
+              <a:lnSpc>
+                <a:spcPct val="110000"/>
+              </a:lnSpc>
+              <a:spcBef>
+                <a:spcPct val="50000"/>
+              </a:spcBef>
+              <a:defRPr/>
+            </a:pPr>
+            <a:r>
+              <a:rPr lang="zh-CN" altLang="en-US" dirty="0" smtClean="0"/>
+              <a:t>入门要正</a:t>
+            </a:r>
+            <a:endParaRPr lang="en-US" altLang="zh-CN" dirty="0" smtClean="0"/>
+          </a:p>
+          <a:p>
+            <a:pPr lvl="1" eaLnBrk="1" hangingPunct="1">
+              <a:lnSpc>
+                <a:spcPct val="110000"/>
+              </a:lnSpc>
+              <a:spcBef>
+                <a:spcPct val="50000"/>
+              </a:spcBef>
+              <a:defRPr/>
+            </a:pPr>
+            <a:r>
+              <a:rPr lang="zh-CN" altLang="en-US" dirty="0" smtClean="0"/>
+              <a:t>养成良好的编程习惯：细心、遵守编码规范、添加足够的注释</a:t>
+            </a:r>
+            <a:endParaRPr lang="en-US" altLang="zh-CN" dirty="0" smtClean="0"/>
+          </a:p>
+          <a:p>
+            <a:pPr eaLnBrk="1" hangingPunct="1">
+              <a:lnSpc>
+                <a:spcPct val="110000"/>
+              </a:lnSpc>
+              <a:spcBef>
+                <a:spcPct val="50000"/>
+              </a:spcBef>
+              <a:defRPr/>
+            </a:pPr>
+            <a:r>
+              <a:rPr lang="zh-CN" altLang="en-US" dirty="0" smtClean="0"/>
+              <a:t>请热爱</a:t>
+            </a:r>
+            <a:r>
+              <a:rPr lang="en-US" altLang="zh-CN" dirty="0" smtClean="0"/>
+              <a:t>C++</a:t>
+            </a:r>
+            <a:r>
+              <a:rPr lang="zh-CN" altLang="en-US" dirty="0" smtClean="0"/>
+              <a:t>！</a:t>
+            </a:r>
+            <a:r>
+              <a:rPr lang="en-US" altLang="zh-CN" b="1" dirty="0" smtClean="0">
+                <a:effectLst>
+                  <a:outerShdw blurRad="38100" dist="38100" dir="2700000" algn="tl">
+                    <a:srgbClr val="C0C0C0"/>
+                  </a:outerShdw>
+                </a:effectLst>
+                <a:latin typeface="Times New Roman" panose="02020603050405020304" pitchFamily="18" charset="0"/>
+                <a:ea typeface="黑体" panose="02010609060101010101" pitchFamily="49" charset="-122"/>
+              </a:rPr>
+              <a:t> </a:t>
+            </a:r>
+          </a:p>
+          <a:p>
+            <a:pPr lvl="1" eaLnBrk="1" hangingPunct="1">
+              <a:lnSpc>
+                <a:spcPct val="110000"/>
+              </a:lnSpc>
+              <a:spcBef>
+                <a:spcPct val="50000"/>
+              </a:spcBef>
+              <a:defRPr/>
+            </a:pPr>
             <a:r>
               <a:rPr lang="zh-CN" altLang="en-US" dirty="0"/>
-              <a:t>会上升到新</a:t>
+              <a:t>没有真心的付出，是没有资格</a:t>
             </a:r>
             <a:r>
               <a:rPr lang="zh-CN" altLang="en-US" dirty="0" smtClean="0"/>
-              <a:t>境界</a:t>
-            </a:r>
-            <a:endParaRPr lang="en-US" altLang="zh-CN" dirty="0" smtClean="0"/>
-          </a:p>
-          <a:p>
-            <a:pPr lvl="1"/>
-            <a:r>
-              <a:rPr lang="zh-CN" altLang="en-US" dirty="0" smtClean="0"/>
-              <a:t>勇敢跳出“舒适区”，会有不一样的体验</a:t>
+              <a:t>评价编程语言优劣的 </a:t>
             </a:r>
             <a:endParaRPr lang="en-US" altLang="zh-CN" dirty="0" smtClean="0"/>
           </a:p>
@@ -14673,17 +14669,10 @@
           <a:lstStyle/>
           <a:p>
             <a:r>
-              <a:rPr lang="zh-CN" altLang="en-US" dirty="0"/>
-              <a:t>程序设计入门</a:t>
-            </a:r>
-            <a:r>
-              <a:rPr lang="en-US" altLang="zh-CN" dirty="0"/>
-              <a:t>——</a:t>
-            </a:r>
-            <a:r>
-              <a:rPr lang="zh-CN" altLang="en-US" dirty="0"/>
-              <a:t>几点忠告（续）</a:t>
-            </a:r>
+              <a:rPr lang="zh-CN" altLang="en-US" dirty="0" smtClean="0"/>
+              <a:t>电子资源与参考资料</a:t>
+            </a:r>
+            <a:endParaRPr lang="zh-CN" altLang="en-US" dirty="0"/>
           </a:p>
         </p:txBody>
       </p:sp>
@@ -14704,214 +14693,169 @@
           <a:p>
             <a:r>
               <a:rPr lang="zh-CN" altLang="en-US" dirty="0" smtClean="0"/>
-              <a:t>不要纠结，上路就好</a:t>
+              <a:t>网络课程</a:t>
             </a:r>
             <a:endParaRPr lang="en-US" altLang="zh-CN" dirty="0" smtClean="0"/>
           </a:p>
           <a:p>
             <a:pPr lvl="1"/>
             <a:r>
-              <a:rPr lang="zh-CN" altLang="en-US" dirty="0"/>
-              <a:t>与其踌躇不前，</a:t>
+              <a:rPr lang="en-US" altLang="zh-CN" dirty="0">
+                <a:hlinkClick r:id="rId2"/>
+              </a:rPr>
+              <a:t>Learn C++</a:t>
+            </a:r>
+            <a:r>
+              <a:rPr lang="en-US" altLang="zh-CN" dirty="0"/>
+              <a:t> </a:t>
             </a:r>
             <a:r>
               <a:rPr lang="zh-CN" altLang="en-US" dirty="0" smtClean="0"/>
-              <a:t>不如保留好奇之心，就此上路</a:t>
+              <a:t>（</a:t>
+            </a:r>
+            <a:r>
+              <a:rPr lang="en-US" altLang="zh-CN" dirty="0" smtClean="0"/>
+              <a:t>English</a:t>
+            </a:r>
+            <a:r>
+              <a:rPr lang="zh-CN" altLang="en-US" dirty="0" smtClean="0"/>
+              <a:t>）</a:t>
             </a:r>
             <a:endParaRPr lang="en-US" altLang="zh-CN" dirty="0" smtClean="0"/>
           </a:p>
           <a:p>
+            <a:pPr lvl="1"/>
+            <a:r>
+              <a:rPr lang="zh-CN" altLang="en-US" dirty="0">
+                <a:hlinkClick r:id="rId3"/>
+              </a:rPr>
+              <a:t>面向对象程序设计</a:t>
+            </a:r>
+            <a:r>
+              <a:rPr lang="en-US" altLang="zh-CN" dirty="0">
+                <a:hlinkClick r:id="rId3"/>
+              </a:rPr>
+              <a:t>-C++ - </a:t>
+            </a:r>
+            <a:r>
+              <a:rPr lang="zh-CN" altLang="en-US" dirty="0">
+                <a:hlinkClick r:id="rId3"/>
+              </a:rPr>
+              <a:t>网易云</a:t>
+            </a:r>
+            <a:r>
+              <a:rPr lang="zh-CN" altLang="en-US" dirty="0" smtClean="0">
+                <a:hlinkClick r:id="rId3"/>
+              </a:rPr>
+              <a:t>课堂</a:t>
+            </a:r>
+            <a:endParaRPr lang="en-US" altLang="zh-CN" dirty="0" smtClean="0"/>
+          </a:p>
+          <a:p>
+            <a:pPr lvl="1"/>
+            <a:r>
+              <a:rPr lang="en-US" altLang="zh-CN" dirty="0" smtClean="0"/>
+              <a:t>www.code.org</a:t>
+            </a:r>
+          </a:p>
+          <a:p>
             <a:r>
               <a:rPr lang="zh-CN" altLang="en-US" dirty="0" smtClean="0"/>
-              <a:t>学习程序的秘诀</a:t>
+              <a:t>查询问题</a:t>
+            </a:r>
+            <a:endParaRPr lang="en-US" altLang="zh-CN" dirty="0" smtClean="0"/>
+          </a:p>
+          <a:p>
+            <a:pPr lvl="1"/>
+            <a:r>
+              <a:rPr lang="zh-CN" altLang="en-US" dirty="0" smtClean="0">
+                <a:hlinkClick r:id="rId4"/>
+              </a:rPr>
+              <a:t>中国最大的</a:t>
+            </a:r>
+            <a:r>
+              <a:rPr lang="en-US" altLang="zh-CN" dirty="0" smtClean="0">
+                <a:hlinkClick r:id="rId4"/>
+              </a:rPr>
+              <a:t>IT</a:t>
+            </a:r>
+            <a:r>
+              <a:rPr lang="zh-CN" altLang="en-US" dirty="0" smtClean="0">
+                <a:hlinkClick r:id="rId4"/>
+              </a:rPr>
+              <a:t>技术社区</a:t>
+            </a:r>
+            <a:r>
+              <a:rPr lang="en-US" altLang="zh-CN" dirty="0" smtClean="0">
+                <a:hlinkClick r:id="rId4"/>
+              </a:rPr>
+              <a:t>CSDN</a:t>
+            </a:r>
+            <a:endParaRPr lang="en-US" altLang="zh-CN" dirty="0" smtClean="0"/>
+          </a:p>
+          <a:p>
+            <a:pPr lvl="1"/>
+            <a:r>
+              <a:rPr lang="en-US" altLang="zh-CN" dirty="0" smtClean="0"/>
+              <a:t>www.stackoverflow.com</a:t>
+            </a:r>
+          </a:p>
+          <a:p>
+            <a:pPr lvl="1"/>
+            <a:r>
+              <a:rPr lang="en-US" altLang="zh-CN" dirty="0" smtClean="0">
+                <a:hlinkClick r:id="rId5"/>
+              </a:rPr>
+              <a:t>Google</a:t>
             </a:r>
             <a:endParaRPr lang="en-US" altLang="zh-CN" dirty="0"/>
           </a:p>
           <a:p>
+            <a:r>
+              <a:rPr lang="zh-CN" altLang="en-US" dirty="0" smtClean="0"/>
+              <a:t>国外网站</a:t>
+            </a:r>
+            <a:endParaRPr lang="en-US" altLang="zh-CN" dirty="0" smtClean="0"/>
+          </a:p>
+          <a:p>
             <a:pPr lvl="1"/>
             <a:r>
-              <a:rPr lang="zh-CN" altLang="en-US" dirty="0" smtClean="0"/>
-              <a:t>编程、编程、再编程</a:t>
+              <a:rPr lang="en-US" altLang="zh-CN" dirty="0" smtClean="0">
+                <a:hlinkClick r:id="rId6"/>
+              </a:rPr>
+              <a:t>www.codeproject.com</a:t>
             </a:r>
             <a:endParaRPr lang="en-US" altLang="zh-CN" dirty="0" smtClean="0"/>
           </a:p>
           <a:p>
             <a:pPr lvl="1"/>
             <a:r>
-              <a:rPr lang="zh-CN" altLang="en-US" dirty="0" smtClean="0"/>
-              <a:t>要</a:t>
-            </a:r>
-            <a:r>
-              <a:rPr lang="zh-CN" altLang="en-US" dirty="0"/>
-              <a:t>说有的话，</a:t>
-            </a:r>
-            <a:r>
-              <a:rPr lang="zh-CN" altLang="en-US" dirty="0" smtClean="0"/>
-              <a:t>那就是</a:t>
-            </a:r>
-            <a:r>
-              <a:rPr lang="zh-CN" altLang="en-US" dirty="0"/>
-              <a:t>上机</a:t>
-            </a:r>
-            <a:r>
-              <a:rPr lang="en-US" altLang="zh-CN" dirty="0">
-                <a:solidFill>
-                  <a:srgbClr val="FF0000"/>
-                </a:solidFill>
+              <a:rPr lang="en-US" altLang="zh-CN" dirty="0" smtClean="0">
+                <a:hlinkClick r:id="rId7"/>
               </a:rPr>
-              <a:t>coding</a:t>
-            </a:r>
-            <a:r>
-              <a:rPr lang="zh-CN" altLang="en-US" dirty="0">
-                <a:solidFill>
-                  <a:srgbClr val="FF0000"/>
-                </a:solidFill>
+              <a:t>www.codeguru.com</a:t>
+            </a:r>
+            <a:endParaRPr lang="en-US" altLang="zh-CN" dirty="0" smtClean="0"/>
+          </a:p>
+          <a:p>
+            <a:pPr lvl="1"/>
+            <a:r>
+              <a:rPr lang="en-US" altLang="zh-CN" dirty="0" smtClean="0">
+                <a:hlinkClick r:id="rId8"/>
               </a:rPr>
-              <a:t>、</a:t>
-            </a:r>
-            <a:r>
-              <a:rPr lang="en-US" altLang="zh-CN" dirty="0">
-                <a:solidFill>
-                  <a:srgbClr val="FF0000"/>
-                </a:solidFill>
+              <a:t>www.sourceforge.net</a:t>
+            </a:r>
+            <a:endParaRPr lang="en-US" altLang="zh-CN" dirty="0" smtClean="0"/>
+          </a:p>
+          <a:p>
+            <a:pPr lvl="1"/>
+            <a:r>
+              <a:rPr lang="en-US" altLang="zh-CN" dirty="0" smtClean="0">
+                <a:hlinkClick r:id="rId9"/>
               </a:rPr>
-              <a:t>debug</a:t>
-            </a:r>
-            <a:r>
-              <a:rPr lang="zh-CN" altLang="en-US" dirty="0">
-                <a:solidFill>
-                  <a:srgbClr val="FF0000"/>
-                </a:solidFill>
-              </a:rPr>
-              <a:t>、</a:t>
-            </a:r>
-            <a:r>
-              <a:rPr lang="en-US" altLang="zh-CN" dirty="0">
-                <a:solidFill>
-                  <a:srgbClr val="FF0000"/>
-                </a:solidFill>
-              </a:rPr>
-              <a:t>reading and thinking</a:t>
-            </a:r>
-          </a:p>
-          <a:p>
-            <a:pPr eaLnBrk="1" hangingPunct="1">
-              <a:lnSpc>
-                <a:spcPct val="110000"/>
-              </a:lnSpc>
-              <a:spcBef>
-                <a:spcPct val="50000"/>
-              </a:spcBef>
-              <a:defRPr/>
-            </a:pPr>
-            <a:r>
-              <a:rPr lang="zh-CN" altLang="en-US" dirty="0" smtClean="0"/>
-              <a:t>遇到错误不要惊慌失措</a:t>
-            </a:r>
-            <a:endParaRPr lang="en-US" altLang="zh-CN" dirty="0" smtClean="0"/>
-          </a:p>
-          <a:p>
-            <a:pPr lvl="1" eaLnBrk="1" hangingPunct="1">
-              <a:lnSpc>
-                <a:spcPct val="110000"/>
-              </a:lnSpc>
-              <a:spcBef>
-                <a:spcPct val="50000"/>
-              </a:spcBef>
-              <a:defRPr/>
-            </a:pPr>
-            <a:r>
-              <a:rPr lang="zh-CN" altLang="en-US" dirty="0" smtClean="0"/>
-              <a:t>新的技能就是在不断的犯错、改错中获得的，错误没什么大不了</a:t>
-            </a:r>
-            <a:endParaRPr lang="en-US" altLang="zh-CN" dirty="0" smtClean="0"/>
-          </a:p>
-          <a:p>
-            <a:pPr eaLnBrk="1" hangingPunct="1">
-              <a:lnSpc>
-                <a:spcPct val="110000"/>
-              </a:lnSpc>
-              <a:spcBef>
-                <a:spcPct val="50000"/>
-              </a:spcBef>
-              <a:defRPr/>
-            </a:pPr>
-            <a:r>
-              <a:rPr lang="zh-CN" altLang="en-US" dirty="0" smtClean="0"/>
-              <a:t>入门要正</a:t>
-            </a:r>
-            <a:endParaRPr lang="en-US" altLang="zh-CN" dirty="0" smtClean="0"/>
-          </a:p>
-          <a:p>
-            <a:pPr lvl="1" eaLnBrk="1" hangingPunct="1">
-              <a:lnSpc>
-                <a:spcPct val="110000"/>
-              </a:lnSpc>
-              <a:spcBef>
-                <a:spcPct val="50000"/>
-              </a:spcBef>
-              <a:defRPr/>
-            </a:pPr>
-            <a:r>
-              <a:rPr lang="zh-CN" altLang="en-US" dirty="0" smtClean="0"/>
-              <a:t>养成良好的编程习惯：细心、遵守编码规范、添加足够的注释</a:t>
-            </a:r>
-            <a:endParaRPr lang="en-US" altLang="zh-CN" dirty="0" smtClean="0"/>
-          </a:p>
-          <a:p>
-            <a:pPr eaLnBrk="1" hangingPunct="1">
-              <a:lnSpc>
-                <a:spcPct val="110000"/>
-              </a:lnSpc>
-              <a:spcBef>
-                <a:spcPct val="50000"/>
-              </a:spcBef>
-              <a:defRPr/>
-            </a:pPr>
-            <a:r>
-              <a:rPr lang="zh-CN" altLang="en-US" dirty="0" smtClean="0"/>
-              <a:t>请热爱</a:t>
-            </a:r>
-            <a:r>
-              <a:rPr lang="en-US" altLang="zh-CN" dirty="0" smtClean="0"/>
-              <a:t>C++</a:t>
-            </a:r>
-            <a:r>
-              <a:rPr lang="zh-CN" altLang="en-US" dirty="0" smtClean="0"/>
-              <a:t>！</a:t>
-            </a:r>
-            <a:r>
-              <a:rPr lang="en-US" altLang="zh-CN" b="1" dirty="0" smtClean="0">
-                <a:effectLst>
-                  <a:outerShdw blurRad="38100" dist="38100" dir="2700000" algn="tl">
-                    <a:srgbClr val="C0C0C0"/>
-                  </a:outerShdw>
-                </a:effectLst>
-                <a:latin typeface="Times New Roman" panose="02020603050405020304" pitchFamily="18" charset="0"/>
-                <a:ea typeface="黑体" panose="02010609060101010101" pitchFamily="49" charset="-122"/>
-              </a:rPr>
-              <a:t> </a:t>
-            </a:r>
-          </a:p>
-          <a:p>
-            <a:pPr lvl="1" eaLnBrk="1" hangingPunct="1">
-              <a:lnSpc>
-                <a:spcPct val="110000"/>
-              </a:lnSpc>
-              <a:spcBef>
-                <a:spcPct val="50000"/>
-              </a:spcBef>
-              <a:defRPr/>
-            </a:pPr>
-            <a:r>
-              <a:rPr lang="zh-CN" altLang="en-US" dirty="0"/>
-              <a:t>没有真心的付出，是没有资格</a:t>
-            </a:r>
-            <a:r>
-              <a:rPr lang="zh-CN" altLang="en-US" dirty="0" smtClean="0"/>
-              <a:t>评价编程语言优劣的 </a:t>
-            </a:r>
-            <a:endParaRPr lang="en-US" altLang="zh-CN" dirty="0" smtClean="0"/>
+              <a:t>www.github.com</a:t>
+            </a:r>
+            <a:endParaRPr lang="zh-CN" altLang="en-US" dirty="0"/>
           </a:p>
         </p:txBody>
       </p:sp>
@@ -14967,247 +14911,6 @@
           <a:p>
             <a:r>
               <a:rPr lang="zh-CN" altLang="en-US" dirty="0" smtClean="0"/>
-              <a:t>电子资源与参考资料</a:t>
-            </a:r>
-            <a:endParaRPr lang="zh-CN" altLang="en-US" dirty="0"/>
-          </a:p>
-        </p:txBody>
-      </p:sp>
-      <p:sp>
-        <p:nvSpPr>
-          <p:cNvPr id="3" name="内容占位符 2"/>
-          <p:cNvSpPr>
-            <a:spLocks noGrp="1"/>
-          </p:cNvSpPr>
-          <p:nvPr>
-            <p:ph idx="1"/>
-          </p:nvPr>
-        </p:nvSpPr>
-        <p:spPr/>
-        <p:txBody>
-          <a:bodyPr/>
-          <a:lstStyle/>
-          <a:p>
-            <a:r>
-              <a:rPr lang="zh-CN" altLang="en-US" dirty="0" smtClean="0"/>
-              <a:t>网络课程</a:t>
-            </a:r>
-            <a:endParaRPr lang="en-US" altLang="zh-CN" dirty="0" smtClean="0"/>
-          </a:p>
-          <a:p>
-            <a:pPr lvl="1"/>
-            <a:r>
-              <a:rPr lang="en-US" altLang="zh-CN" dirty="0">
-                <a:hlinkClick r:id="rId2"/>
-              </a:rPr>
-              <a:t>Learn C++</a:t>
-            </a:r>
-            <a:r>
-              <a:rPr lang="en-US" altLang="zh-CN" dirty="0"/>
-              <a:t> </a:t>
-            </a:r>
-            <a:r>
-              <a:rPr lang="zh-CN" altLang="en-US" dirty="0" smtClean="0"/>
-              <a:t>（</a:t>
-            </a:r>
-            <a:r>
-              <a:rPr lang="en-US" altLang="zh-CN" dirty="0" smtClean="0"/>
-              <a:t>English</a:t>
-            </a:r>
-            <a:r>
-              <a:rPr lang="zh-CN" altLang="en-US" dirty="0" smtClean="0"/>
-              <a:t>）</a:t>
-            </a:r>
-            <a:endParaRPr lang="en-US" altLang="zh-CN" dirty="0" smtClean="0"/>
-          </a:p>
-          <a:p>
-            <a:pPr lvl="1"/>
-            <a:r>
-              <a:rPr lang="zh-CN" altLang="en-US" dirty="0">
-                <a:hlinkClick r:id="rId3"/>
-              </a:rPr>
-              <a:t>面向对象程序设计</a:t>
-            </a:r>
-            <a:r>
-              <a:rPr lang="en-US" altLang="zh-CN" dirty="0">
-                <a:hlinkClick r:id="rId3"/>
-              </a:rPr>
-              <a:t>-C++ - </a:t>
-            </a:r>
-            <a:r>
-              <a:rPr lang="zh-CN" altLang="en-US" dirty="0">
-                <a:hlinkClick r:id="rId3"/>
-              </a:rPr>
-              <a:t>网易云</a:t>
-            </a:r>
-            <a:r>
-              <a:rPr lang="zh-CN" altLang="en-US" dirty="0" smtClean="0">
-                <a:hlinkClick r:id="rId3"/>
-              </a:rPr>
-              <a:t>课堂</a:t>
-            </a:r>
-            <a:endParaRPr lang="en-US" altLang="zh-CN" dirty="0" smtClean="0"/>
-          </a:p>
-          <a:p>
-            <a:pPr lvl="1"/>
-            <a:r>
-              <a:rPr lang="en-US" altLang="zh-CN" dirty="0" smtClean="0"/>
-              <a:t>www.code.org</a:t>
-            </a:r>
-          </a:p>
-          <a:p>
-            <a:r>
-              <a:rPr lang="zh-CN" altLang="en-US" dirty="0" smtClean="0"/>
-              <a:t>查询问题</a:t>
-            </a:r>
-            <a:endParaRPr lang="en-US" altLang="zh-CN" dirty="0" smtClean="0"/>
-          </a:p>
-          <a:p>
-            <a:pPr lvl="1"/>
-            <a:r>
-              <a:rPr lang="zh-CN" altLang="en-US" dirty="0" smtClean="0">
-                <a:hlinkClick r:id="rId4"/>
-              </a:rPr>
-              <a:t>中国最大的</a:t>
-            </a:r>
-            <a:r>
-              <a:rPr lang="en-US" altLang="zh-CN" dirty="0" smtClean="0">
-                <a:hlinkClick r:id="rId4"/>
-              </a:rPr>
-              <a:t>IT</a:t>
-            </a:r>
-            <a:r>
-              <a:rPr lang="zh-CN" altLang="en-US" dirty="0" smtClean="0">
-                <a:hlinkClick r:id="rId4"/>
-              </a:rPr>
-              <a:t>技术社区</a:t>
-            </a:r>
-            <a:r>
-              <a:rPr lang="en-US" altLang="zh-CN" dirty="0" smtClean="0">
-                <a:hlinkClick r:id="rId4"/>
-              </a:rPr>
-              <a:t>CSDN</a:t>
-            </a:r>
-            <a:endParaRPr lang="en-US" altLang="zh-CN" dirty="0" smtClean="0"/>
-          </a:p>
-          <a:p>
-            <a:pPr lvl="1"/>
-            <a:r>
-              <a:rPr lang="en-US" altLang="zh-CN" dirty="0" smtClean="0"/>
-              <a:t>www.stackoverflow.com</a:t>
-            </a:r>
-          </a:p>
-          <a:p>
-            <a:pPr lvl="1"/>
-            <a:r>
-              <a:rPr lang="en-US" altLang="zh-CN" dirty="0" smtClean="0">
-                <a:hlinkClick r:id="rId5"/>
-              </a:rPr>
-              <a:t>Google</a:t>
-            </a:r>
-            <a:endParaRPr lang="en-US" altLang="zh-CN" dirty="0"/>
-          </a:p>
-          <a:p>
-            <a:r>
-              <a:rPr lang="zh-CN" altLang="en-US" dirty="0" smtClean="0"/>
-              <a:t>国外网站</a:t>
-            </a:r>
-            <a:endParaRPr lang="en-US" altLang="zh-CN" dirty="0" smtClean="0"/>
-          </a:p>
-          <a:p>
-            <a:pPr lvl="1"/>
-            <a:r>
-              <a:rPr lang="en-US" altLang="zh-CN" dirty="0" smtClean="0">
-                <a:hlinkClick r:id="rId6"/>
-              </a:rPr>
-              <a:t>www.codeproject.com</a:t>
-            </a:r>
-            <a:endParaRPr lang="en-US" altLang="zh-CN" dirty="0" smtClean="0"/>
-          </a:p>
-          <a:p>
-            <a:pPr lvl="1"/>
-            <a:r>
-              <a:rPr lang="en-US" altLang="zh-CN" dirty="0" smtClean="0">
-                <a:hlinkClick r:id="rId7"/>
-              </a:rPr>
-              <a:t>www.codeguru.com</a:t>
-            </a:r>
-            <a:endParaRPr lang="en-US" altLang="zh-CN" dirty="0" smtClean="0"/>
-          </a:p>
-          <a:p>
-            <a:pPr lvl="1"/>
-            <a:r>
-              <a:rPr lang="en-US" altLang="zh-CN" dirty="0" smtClean="0">
-                <a:hlinkClick r:id="rId8"/>
-              </a:rPr>
-              <a:t>www.sourceforge.net</a:t>
-            </a:r>
-            <a:endParaRPr lang="en-US" altLang="zh-CN" dirty="0" smtClean="0"/>
-          </a:p>
-          <a:p>
-            <a:pPr lvl="1"/>
-            <a:r>
-              <a:rPr lang="en-US" altLang="zh-CN" dirty="0" smtClean="0">
-                <a:hlinkClick r:id="rId9"/>
-              </a:rPr>
-              <a:t>www.github.com</a:t>
-            </a:r>
-            <a:endParaRPr lang="zh-CN" altLang="en-US" dirty="0"/>
-          </a:p>
-        </p:txBody>
-      </p:sp>
-    </p:spTree>
-  </p:cSld>
-  <p:clrMapOvr>
-    <a:masterClrMapping/>
-  </p:clrMapOvr>
-  <p:transition>
-    <p:pull dir="ru"/>
-  </p:transition>
-  <p:timing>
-    <p:tnLst>
-      <p:par>
-        <p:cTn id="1" dur="indefinite" restart="never" nodeType="tmRoot"/>
-      </p:par>
-    </p:tnLst>
-  </p:timing>
-</p:sld>
-</file>
-
-<file path=ppt/slides/slide25.xml><?xml version="1.0" encoding="utf-8"?>
-<p:sld xmlns:a="http://schemas.openxmlformats.org/drawingml/2006/main" xmlns:r="http://schemas.openxmlformats.org/officeDocument/2006/relationships" xmlns:p="http://schemas.openxmlformats.org/presentationml/2006/main">
-  <p:cSld>
-    <p:spTree>
-      <p:nvGrpSpPr>
-        <p:cNvPr id="1" name=""/>
-        <p:cNvGrpSpPr/>
-        <p:nvPr/>
-      </p:nvGrpSpPr>
-      <p:grpSpPr>
-        <a:xfrm>
-          <a:off x="0" y="0"/>
-          <a:ext cx="0" cy="0"/>
-          <a:chOff x="0" y="0"/>
-          <a:chExt cx="0" cy="0"/>
-        </a:xfrm>
-      </p:grpSpPr>
-      <p:sp>
-        <p:nvSpPr>
-          <p:cNvPr id="2" name="标题 1"/>
-          <p:cNvSpPr>
-            <a:spLocks noGrp="1"/>
-          </p:cNvSpPr>
-          <p:nvPr>
-            <p:ph type="title"/>
-          </p:nvPr>
-        </p:nvSpPr>
-        <p:spPr/>
-        <p:txBody>
-          <a:bodyPr/>
-          <a:lstStyle/>
-          <a:p>
-            <a:r>
-              <a:rPr lang="zh-CN" altLang="en-US" dirty="0" smtClean="0"/>
               <a:t>课件资源</a:t>
             </a:r>
             <a:endParaRPr lang="zh-CN" altLang="en-US" dirty="0"/>
@@ -15281,7 +14984,7 @@
 </p:sld>
 </file>
 
-<file path=ppt/slides/slide26.xml><?xml version="1.0" encoding="utf-8"?>
+<file path=ppt/slides/slide25.xml><?xml version="1.0" encoding="utf-8"?>
 <p:sld xmlns:a="http://schemas.openxmlformats.org/drawingml/2006/main" xmlns:r="http://schemas.openxmlformats.org/officeDocument/2006/relationships" xmlns:p="http://schemas.openxmlformats.org/presentationml/2006/main">
   <p:cSld>
     <p:spTree>
@@ -15506,11 +15209,7 @@
             </a:r>
             <a:r>
               <a:rPr lang="zh-CN" altLang="en-US" dirty="0" smtClean="0"/>
-              <a:t>、</a:t>
-            </a:r>
-            <a:r>
-              <a:rPr lang="zh-CN" altLang="en-US" dirty="0" smtClean="0"/>
-              <a:t>学习动机</a:t>
+              <a:t>、学习动机</a:t>
             </a:r>
             <a:endParaRPr lang="en-US" altLang="zh-CN" sz="4400" dirty="0" smtClean="0">
               <a:latin typeface="华文新魏" pitchFamily="2" charset="-122"/>
@@ -16386,7 +16085,6 @@
               <a:rPr lang="en-US" altLang="zh-CN" dirty="0" smtClean="0"/>
               <a:t>				</a:t>
             </a:r>
-            <a:endParaRPr lang="en-US" altLang="zh-CN" dirty="0" smtClean="0"/>
           </a:p>
           <a:p>
             <a:pPr marL="0" indent="0" algn="just">
@@ -16394,11 +16092,7 @@
             </a:pPr>
             <a:r>
               <a:rPr lang="en-US" altLang="zh-CN" sz="3600" dirty="0" smtClean="0"/>
-              <a:t>				——</a:t>
-            </a:r>
-            <a:r>
-              <a:rPr lang="en-US" altLang="zh-CN" sz="3600" dirty="0" smtClean="0"/>
-              <a:t>Steven Jobs</a:t>
+              <a:t>				——Steven Jobs</a:t>
             </a:r>
             <a:endParaRPr lang="en-US" altLang="zh-CN" sz="3600" dirty="0"/>
           </a:p>
@@ -17602,11 +17296,7 @@
             </a:r>
             <a:r>
               <a:rPr lang="zh-CN" altLang="en-US" dirty="0" smtClean="0"/>
-              <a:t>、</a:t>
-            </a:r>
-            <a:r>
-              <a:rPr lang="zh-CN" altLang="en-US" dirty="0" smtClean="0"/>
-              <a:t>关于课程</a:t>
+              <a:t>、关于课程</a:t>
             </a:r>
             <a:endParaRPr lang="en-US" altLang="zh-CN" sz="4400" dirty="0" smtClean="0">
               <a:latin typeface="华文新魏" pitchFamily="2" charset="-122"/>

--- a/02.PPT/Ch1-绪论/C++1_1.pptx
+++ b/02.PPT/Ch1-绪论/C++1_1.pptx
@@ -839,6 +839,67 @@
     <p:extLst>
       <p:ext uri="{BB962C8B-B14F-4D97-AF65-F5344CB8AC3E}">
         <p14:creationId xmlns:p14="http://schemas.microsoft.com/office/powerpoint/2010/main" val="2428520166"/>
+      </p:ext>
+    </p:extLst>
+  </p:cSld>
+  <p:clrMapOvr>
+    <a:masterClrMapping/>
+  </p:clrMapOvr>
+</p:notes>
+</file>
+
+<file path=ppt/notesSlides/notesSlide10.xml><?xml version="1.0" encoding="utf-8"?>
+<p:notes xmlns:a="http://schemas.openxmlformats.org/drawingml/2006/main" xmlns:r="http://schemas.openxmlformats.org/officeDocument/2006/relationships" xmlns:p="http://schemas.openxmlformats.org/presentationml/2006/main">
+  <p:cSld>
+    <p:spTree>
+      <p:nvGrpSpPr>
+        <p:cNvPr id="1" name=""/>
+        <p:cNvGrpSpPr/>
+        <p:nvPr/>
+      </p:nvGrpSpPr>
+      <p:grpSpPr>
+        <a:xfrm>
+          <a:off x="0" y="0"/>
+          <a:ext cx="0" cy="0"/>
+          <a:chOff x="0" y="0"/>
+          <a:chExt cx="0" cy="0"/>
+        </a:xfrm>
+      </p:grpSpPr>
+      <p:sp>
+        <p:nvSpPr>
+          <p:cNvPr id="2" name="幻灯片图像占位符 1"/>
+          <p:cNvSpPr>
+            <a:spLocks noGrp="1" noRot="1" noChangeAspect="1"/>
+          </p:cNvSpPr>
+          <p:nvPr>
+            <p:ph type="sldImg"/>
+          </p:nvPr>
+        </p:nvSpPr>
+        <p:spPr/>
+      </p:sp>
+      <p:sp>
+        <p:nvSpPr>
+          <p:cNvPr id="3" name="备注占位符 2"/>
+          <p:cNvSpPr>
+            <a:spLocks noGrp="1"/>
+          </p:cNvSpPr>
+          <p:nvPr>
+            <p:ph type="body" idx="1"/>
+          </p:nvPr>
+        </p:nvSpPr>
+        <p:spPr/>
+        <p:txBody>
+          <a:bodyPr/>
+          <a:lstStyle/>
+          <a:p>
+            <a:endParaRPr lang="zh-CN" altLang="en-US" dirty="0"/>
+          </a:p>
+        </p:txBody>
+      </p:sp>
+    </p:spTree>
+    <p:extLst>
+      <p:ext uri="{BB962C8B-B14F-4D97-AF65-F5344CB8AC3E}">
+        <p14:creationId xmlns:p14="http://schemas.microsoft.com/office/powerpoint/2010/main" val="3558099166"/>
       </p:ext>
     </p:extLst>
   </p:cSld>
@@ -7043,6 +7104,23 @@
             <a:off x="16688" y="914921"/>
             <a:ext cx="9127312" cy="4380931"/>
           </a:xfrm>
+          <a:prstGeom prst="rect">
+            <a:avLst/>
+          </a:prstGeom>
+          <a:ln w="38100" cap="sq">
+            <a:solidFill>
+              <a:srgbClr val="000000"/>
+            </a:solidFill>
+            <a:prstDash val="solid"/>
+            <a:miter lim="800000"/>
+          </a:ln>
+          <a:effectLst>
+            <a:outerShdw blurRad="50800" dist="38100" dir="2700000" algn="tl" rotWithShape="0">
+              <a:srgbClr val="000000">
+                <a:alpha val="43000"/>
+              </a:srgbClr>
+            </a:outerShdw>
+          </a:effectLst>
         </p:spPr>
       </p:pic>
     </p:spTree>
@@ -13875,15 +13953,27 @@
           <a:p>
             <a:r>
               <a:rPr lang="zh-CN" altLang="en-US" dirty="0" smtClean="0"/>
-              <a:t>制定目标</a:t>
-            </a:r>
-            <a:endParaRPr lang="en-US" altLang="zh-CN" dirty="0" smtClean="0"/>
+              <a:t>制定</a:t>
+            </a:r>
+            <a:r>
+              <a:rPr lang="zh-CN" altLang="en-US" dirty="0" smtClean="0">
+                <a:solidFill>
+                  <a:srgbClr val="FF0000"/>
+                </a:solidFill>
+              </a:rPr>
+              <a:t>目标</a:t>
+            </a:r>
+            <a:endParaRPr lang="en-US" altLang="zh-CN" dirty="0" smtClean="0">
+              <a:solidFill>
+                <a:srgbClr val="FF0000"/>
+              </a:solidFill>
+            </a:endParaRPr>
           </a:p>
           <a:p>
             <a:pPr lvl="1"/>
             <a:r>
               <a:rPr lang="zh-CN" altLang="en-US" dirty="0" smtClean="0"/>
-              <a:t>开发专业系统、搭建网站、实现算法、开发游戏、</a:t>
+              <a:t>开发专业系统、搭建网站、实现算法、</a:t>
             </a:r>
             <a:r>
               <a:rPr lang="en-US" altLang="zh-CN" dirty="0" smtClean="0"/>
@@ -13913,10 +14003,18 @@
           </a:p>
           <a:p>
             <a:r>
-              <a:rPr lang="zh-CN" altLang="en-US" dirty="0" smtClean="0"/>
+              <a:rPr lang="zh-CN" altLang="en-US" dirty="0" smtClean="0">
+                <a:solidFill>
+                  <a:srgbClr val="FF0000"/>
+                </a:solidFill>
+              </a:rPr>
               <a:t>不要急躁</a:t>
             </a:r>
-            <a:endParaRPr lang="en-US" altLang="zh-CN" dirty="0" smtClean="0"/>
+            <a:endParaRPr lang="en-US" altLang="zh-CN" dirty="0" smtClean="0">
+              <a:solidFill>
+                <a:srgbClr val="FF0000"/>
+              </a:solidFill>
+            </a:endParaRPr>
           </a:p>
           <a:p>
             <a:pPr lvl="1"/>
@@ -13940,13 +14038,23 @@
           </a:p>
           <a:p>
             <a:r>
-              <a:rPr lang="zh-CN" altLang="en-US" dirty="0" smtClean="0"/>
+              <a:rPr lang="zh-CN" altLang="en-US" dirty="0" smtClean="0">
+                <a:solidFill>
+                  <a:srgbClr val="FF0000"/>
+                </a:solidFill>
+              </a:rPr>
               <a:t>培养兴趣</a:t>
             </a:r>
-            <a:endParaRPr lang="en-US" altLang="zh-CN" dirty="0" smtClean="0"/>
-          </a:p>
-          <a:p>
-            <a:pPr lvl="1"/>
+            <a:endParaRPr lang="en-US" altLang="zh-CN" dirty="0" smtClean="0">
+              <a:solidFill>
+                <a:srgbClr val="FF0000"/>
+              </a:solidFill>
+            </a:endParaRPr>
+          </a:p>
+          <a:p>
+            <a:pPr marL="478155" lvl="1" indent="0">
+              <a:buNone/>
+            </a:pPr>
             <a:endParaRPr lang="en-US" altLang="zh-CN" dirty="0"/>
           </a:p>
           <a:p>
@@ -13985,7 +14093,7 @@
         </p:blipFill>
         <p:spPr>
           <a:xfrm>
-            <a:off x="690880" y="4985385"/>
+            <a:off x="690880" y="4780427"/>
             <a:ext cx="6817995" cy="1292860"/>
           </a:xfrm>
           <a:prstGeom prst="rect">
@@ -14015,7 +14123,7 @@
         </p:blipFill>
         <p:spPr>
           <a:xfrm>
-            <a:off x="773430" y="2421255"/>
+            <a:off x="773430" y="2184765"/>
             <a:ext cx="6857365" cy="1782445"/>
           </a:xfrm>
           <a:prstGeom prst="rect">
@@ -14064,7 +14172,7 @@
         </p:blipFill>
         <p:spPr>
           <a:xfrm>
-            <a:off x="7508875" y="4745355"/>
+            <a:off x="7508875" y="4571929"/>
             <a:ext cx="1274445" cy="1772920"/>
           </a:xfrm>
           <a:prstGeom prst="rect">
@@ -14158,10 +14266,26 @@
           <a:lstStyle/>
           <a:p>
             <a:r>
+              <a:rPr lang="zh-CN" altLang="en-US" dirty="0"/>
+              <a:t>用</a:t>
+            </a:r>
+            <a:r>
               <a:rPr lang="zh-CN" altLang="en-US" dirty="0" smtClean="0"/>
-              <a:t>学好英语</a:t>
-            </a:r>
-            <a:endParaRPr lang="en-US" altLang="zh-CN" dirty="0" smtClean="0"/>
+              <a:t>好</a:t>
+            </a:r>
+            <a:r>
+              <a:rPr lang="zh-CN" altLang="en-US" dirty="0" smtClean="0">
+                <a:solidFill>
+                  <a:srgbClr val="FF0000"/>
+                </a:solidFill>
+              </a:rPr>
+              <a:t>英语</a:t>
+            </a:r>
+            <a:endParaRPr lang="en-US" altLang="zh-CN" dirty="0" smtClean="0">
+              <a:solidFill>
+                <a:srgbClr val="FF0000"/>
+              </a:solidFill>
+            </a:endParaRPr>
           </a:p>
           <a:p>
             <a:pPr lvl="1"/>
@@ -14174,9 +14298,21 @@
           <a:p>
             <a:r>
               <a:rPr lang="zh-CN" altLang="en-US" dirty="0" smtClean="0"/>
-              <a:t>学会提问</a:t>
-            </a:r>
-            <a:endParaRPr lang="en-US" altLang="zh-CN" dirty="0" smtClean="0"/>
+              <a:t>学会</a:t>
+            </a:r>
+            <a:r>
+              <a:rPr lang="zh-CN" altLang="en-US" dirty="0" smtClean="0">
+                <a:solidFill>
+                  <a:srgbClr val="FF0000"/>
+                </a:solidFill>
+              </a:rPr>
+              <a:t>提问</a:t>
+            </a:r>
+            <a:endParaRPr lang="en-US" altLang="zh-CN" dirty="0" smtClean="0">
+              <a:solidFill>
+                <a:srgbClr val="FF0000"/>
+              </a:solidFill>
+            </a:endParaRPr>
           </a:p>
           <a:p>
             <a:pPr lvl="1"/>
@@ -14190,7 +14326,7 @@
                   <a:srgbClr val="FF0000"/>
                 </a:solidFill>
               </a:rPr>
-              <a:t>明确、清晰而具体</a:t>
+              <a:t>明确、清楚而具体</a:t>
             </a:r>
             <a:r>
               <a:rPr lang="zh-CN" altLang="en-US" dirty="0" smtClean="0"/>
@@ -14200,10 +14336,18 @@
           </a:p>
           <a:p>
             <a:r>
-              <a:rPr lang="zh-CN" altLang="en-US" dirty="0" smtClean="0"/>
+              <a:rPr lang="zh-CN" altLang="en-US" dirty="0" smtClean="0">
+                <a:solidFill>
+                  <a:srgbClr val="FF0000"/>
+                </a:solidFill>
+              </a:rPr>
               <a:t>不要做一匹孤狼</a:t>
             </a:r>
-            <a:endParaRPr lang="en-US" altLang="zh-CN" dirty="0" smtClean="0"/>
+            <a:endParaRPr lang="en-US" altLang="zh-CN" dirty="0" smtClean="0">
+              <a:solidFill>
+                <a:srgbClr val="FF0000"/>
+              </a:solidFill>
+            </a:endParaRPr>
           </a:p>
           <a:p>
             <a:pPr lvl="1"/>
@@ -14407,9 +14551,21 @@
           <a:p>
             <a:r>
               <a:rPr lang="zh-CN" altLang="en-US" dirty="0" smtClean="0"/>
-              <a:t>不要纠结，上路就好</a:t>
-            </a:r>
-            <a:endParaRPr lang="en-US" altLang="zh-CN" dirty="0" smtClean="0"/>
+              <a:t>不要纠结，</a:t>
+            </a:r>
+            <a:r>
+              <a:rPr lang="zh-CN" altLang="en-US" dirty="0" smtClean="0">
+                <a:solidFill>
+                  <a:srgbClr val="FF0000"/>
+                </a:solidFill>
+              </a:rPr>
+              <a:t>上路就好</a:t>
+            </a:r>
+            <a:endParaRPr lang="en-US" altLang="zh-CN" dirty="0" smtClean="0">
+              <a:solidFill>
+                <a:srgbClr val="FF0000"/>
+              </a:solidFill>
+            </a:endParaRPr>
           </a:p>
           <a:p>
             <a:pPr lvl="1"/>
@@ -14426,17 +14582,37 @@
           <a:p>
             <a:r>
               <a:rPr lang="zh-CN" altLang="en-US" dirty="0" smtClean="0"/>
-              <a:t>学习程序的秘诀</a:t>
-            </a:r>
-            <a:endParaRPr lang="en-US" altLang="zh-CN" dirty="0"/>
+              <a:t>学习程序的</a:t>
+            </a:r>
+            <a:r>
+              <a:rPr lang="zh-CN" altLang="en-US" dirty="0" smtClean="0">
+                <a:solidFill>
+                  <a:srgbClr val="FF0000"/>
+                </a:solidFill>
+              </a:rPr>
+              <a:t>秘诀</a:t>
+            </a:r>
+            <a:endParaRPr lang="en-US" altLang="zh-CN" dirty="0">
+              <a:solidFill>
+                <a:srgbClr val="FF0000"/>
+              </a:solidFill>
+            </a:endParaRPr>
           </a:p>
           <a:p>
             <a:pPr lvl="1"/>
             <a:r>
-              <a:rPr lang="zh-CN" altLang="en-US" dirty="0" smtClean="0"/>
+              <a:rPr lang="zh-CN" altLang="en-US" dirty="0" smtClean="0">
+                <a:solidFill>
+                  <a:srgbClr val="FF0000"/>
+                </a:solidFill>
+              </a:rPr>
               <a:t>编程、编程、再编程</a:t>
             </a:r>
-            <a:endParaRPr lang="en-US" altLang="zh-CN" dirty="0" smtClean="0"/>
+            <a:endParaRPr lang="en-US" altLang="zh-CN" dirty="0" smtClean="0">
+              <a:solidFill>
+                <a:srgbClr val="FF0000"/>
+              </a:solidFill>
+            </a:endParaRPr>
           </a:p>
           <a:p>
             <a:pPr lvl="1"/>
@@ -14509,9 +14685,21 @@
             </a:pPr>
             <a:r>
               <a:rPr lang="zh-CN" altLang="en-US" dirty="0" smtClean="0"/>
-              <a:t>遇到错误不要惊慌失措</a:t>
-            </a:r>
-            <a:endParaRPr lang="en-US" altLang="zh-CN" dirty="0" smtClean="0"/>
+              <a:t>遇到错误</a:t>
+            </a:r>
+            <a:r>
+              <a:rPr lang="zh-CN" altLang="en-US" dirty="0" smtClean="0">
+                <a:solidFill>
+                  <a:srgbClr val="FF0000"/>
+                </a:solidFill>
+              </a:rPr>
+              <a:t>不要惊慌失措</a:t>
+            </a:r>
+            <a:endParaRPr lang="en-US" altLang="zh-CN" dirty="0" smtClean="0">
+              <a:solidFill>
+                <a:srgbClr val="FF0000"/>
+              </a:solidFill>
+            </a:endParaRPr>
           </a:p>
           <a:p>
             <a:pPr lvl="1" eaLnBrk="1" hangingPunct="1">
@@ -14540,10 +14728,18 @@
               <a:defRPr/>
             </a:pPr>
             <a:r>
-              <a:rPr lang="zh-CN" altLang="en-US" dirty="0" smtClean="0"/>
+              <a:rPr lang="zh-CN" altLang="en-US" dirty="0" smtClean="0">
+                <a:solidFill>
+                  <a:srgbClr val="FF0000"/>
+                </a:solidFill>
+              </a:rPr>
               <a:t>入门要正</a:t>
             </a:r>
-            <a:endParaRPr lang="en-US" altLang="zh-CN" dirty="0" smtClean="0"/>
+            <a:endParaRPr lang="en-US" altLang="zh-CN" dirty="0" smtClean="0">
+              <a:solidFill>
+                <a:srgbClr val="FF0000"/>
+              </a:solidFill>
+            </a:endParaRPr>
           </a:p>
           <a:p>
             <a:pPr lvl="1" eaLnBrk="1" hangingPunct="1">
@@ -14572,19 +14768,34 @@
               <a:defRPr/>
             </a:pPr>
             <a:r>
-              <a:rPr lang="zh-CN" altLang="en-US" dirty="0" smtClean="0"/>
+              <a:rPr lang="zh-CN" altLang="en-US" dirty="0" smtClean="0">
+                <a:solidFill>
+                  <a:srgbClr val="FF0000"/>
+                </a:solidFill>
+              </a:rPr>
               <a:t>请热爱</a:t>
             </a:r>
             <a:r>
-              <a:rPr lang="en-US" altLang="zh-CN" dirty="0" smtClean="0"/>
+              <a:rPr lang="en-US" altLang="zh-CN" dirty="0" smtClean="0">
+                <a:solidFill>
+                  <a:srgbClr val="FF0000"/>
+                </a:solidFill>
+              </a:rPr>
               <a:t>C++</a:t>
             </a:r>
             <a:r>
-              <a:rPr lang="zh-CN" altLang="en-US" dirty="0" smtClean="0"/>
+              <a:rPr lang="zh-CN" altLang="en-US" dirty="0" smtClean="0">
+                <a:solidFill>
+                  <a:srgbClr val="FF0000"/>
+                </a:solidFill>
+              </a:rPr>
               <a:t>！</a:t>
             </a:r>
             <a:r>
               <a:rPr lang="en-US" altLang="zh-CN" b="1" dirty="0" smtClean="0">
+                <a:solidFill>
+                  <a:srgbClr val="FF0000"/>
+                </a:solidFill>
                 <a:effectLst>
                   <a:outerShdw blurRad="38100" dist="38100" dir="2700000" algn="tl">
                     <a:srgbClr val="C0C0C0"/>
@@ -14768,45 +14979,52 @@
           <a:p>
             <a:pPr lvl="1"/>
             <a:r>
-              <a:rPr lang="zh-CN" altLang="en-US" dirty="0" smtClean="0">
-                <a:hlinkClick r:id="rId4"/>
-              </a:rPr>
-              <a:t>中国最大的</a:t>
-            </a:r>
-            <a:r>
               <a:rPr lang="en-US" altLang="zh-CN" dirty="0" smtClean="0">
                 <a:hlinkClick r:id="rId4"/>
               </a:rPr>
+              <a:t>Google</a:t>
+            </a:r>
+            <a:endParaRPr lang="en-US" altLang="zh-CN" dirty="0" smtClean="0"/>
+          </a:p>
+          <a:p>
+            <a:pPr lvl="1"/>
+            <a:r>
+              <a:rPr lang="en-US" altLang="zh-CN" dirty="0" smtClean="0"/>
+              <a:t>www.stackoverflow.com</a:t>
+            </a:r>
+            <a:endParaRPr lang="en-US" altLang="zh-CN" dirty="0" smtClean="0"/>
+          </a:p>
+          <a:p>
+            <a:pPr lvl="1"/>
+            <a:r>
+              <a:rPr lang="zh-CN" altLang="en-US" dirty="0" smtClean="0">
+                <a:hlinkClick r:id="rId5"/>
+              </a:rPr>
+              <a:t>中国</a:t>
+            </a:r>
+            <a:r>
+              <a:rPr lang="zh-CN" altLang="en-US" dirty="0">
+                <a:hlinkClick r:id="rId5"/>
+              </a:rPr>
+              <a:t>最大的</a:t>
+            </a:r>
+            <a:r>
+              <a:rPr lang="en-US" altLang="zh-CN" dirty="0">
+                <a:hlinkClick r:id="rId5"/>
+              </a:rPr>
               <a:t>IT</a:t>
             </a:r>
             <a:r>
-              <a:rPr lang="zh-CN" altLang="en-US" dirty="0" smtClean="0">
-                <a:hlinkClick r:id="rId4"/>
+              <a:rPr lang="zh-CN" altLang="en-US" dirty="0">
+                <a:hlinkClick r:id="rId5"/>
               </a:rPr>
               <a:t>技术社区</a:t>
             </a:r>
-            <a:r>
-              <a:rPr lang="en-US" altLang="zh-CN" dirty="0" smtClean="0">
-                <a:hlinkClick r:id="rId4"/>
-              </a:rPr>
-              <a:t>CSDN</a:t>
-            </a:r>
-            <a:endParaRPr lang="en-US" altLang="zh-CN" dirty="0" smtClean="0"/>
-          </a:p>
-          <a:p>
-            <a:pPr lvl="1"/>
-            <a:r>
-              <a:rPr lang="en-US" altLang="zh-CN" dirty="0" smtClean="0"/>
-              <a:t>www.stackoverflow.com</a:t>
-            </a:r>
-          </a:p>
-          <a:p>
-            <a:pPr lvl="1"/>
             <a:r>
               <a:rPr lang="en-US" altLang="zh-CN" dirty="0" smtClean="0">
                 <a:hlinkClick r:id="rId5"/>
               </a:rPr>
-              <a:t>Google</a:t>
+              <a:t>CSDN</a:t>
             </a:r>
             <a:endParaRPr lang="en-US" altLang="zh-CN" dirty="0"/>
           </a:p>
@@ -14823,7 +15041,7 @@
               <a:rPr lang="en-US" altLang="zh-CN" dirty="0" smtClean="0">
                 <a:hlinkClick r:id="rId6"/>
               </a:rPr>
-              <a:t>www.codeproject.com</a:t>
+              <a:t>www.sourceforge.net</a:t>
             </a:r>
             <a:endParaRPr lang="en-US" altLang="zh-CN" dirty="0" smtClean="0"/>
           </a:p>
@@ -14832,26 +15050,6 @@
             <a:r>
               <a:rPr lang="en-US" altLang="zh-CN" dirty="0" smtClean="0">
                 <a:hlinkClick r:id="rId7"/>
-              </a:rPr>
-              <a:t>www.codeguru.com</a:t>
-            </a:r>
-            <a:endParaRPr lang="en-US" altLang="zh-CN" dirty="0" smtClean="0"/>
-          </a:p>
-          <a:p>
-            <a:pPr lvl="1"/>
-            <a:r>
-              <a:rPr lang="en-US" altLang="zh-CN" dirty="0" smtClean="0">
-                <a:hlinkClick r:id="rId8"/>
-              </a:rPr>
-              <a:t>www.sourceforge.net</a:t>
-            </a:r>
-            <a:endParaRPr lang="en-US" altLang="zh-CN" dirty="0" smtClean="0"/>
-          </a:p>
-          <a:p>
-            <a:pPr lvl="1"/>
-            <a:r>
-              <a:rPr lang="en-US" altLang="zh-CN" dirty="0" smtClean="0">
-                <a:hlinkClick r:id="rId9"/>
               </a:rPr>
               <a:t>www.github.com</a:t>
             </a:r>
@@ -16087,12 +16285,20 @@
             </a:r>
           </a:p>
           <a:p>
-            <a:pPr marL="0" indent="0" algn="just">
+            <a:pPr marL="0" indent="0" algn="r">
               <a:buNone/>
             </a:pPr>
             <a:r>
               <a:rPr lang="en-US" altLang="zh-CN" sz="3600" dirty="0" smtClean="0"/>
-              <a:t>				——Steven Jobs</a:t>
+              <a:t>			</a:t>
+            </a:r>
+            <a:r>
+              <a:rPr lang="en-US" altLang="zh-CN" sz="3600" dirty="0" smtClean="0"/>
+              <a:t>——</a:t>
+            </a:r>
+            <a:r>
+              <a:rPr lang="en-US" altLang="zh-CN" sz="3600" dirty="0" smtClean="0"/>
+              <a:t>Steven Jobs</a:t>
             </a:r>
             <a:endParaRPr lang="en-US" altLang="zh-CN" sz="3600" dirty="0"/>
           </a:p>
@@ -16148,12 +16354,53 @@
         </p:blipFill>
         <p:spPr>
           <a:xfrm>
-            <a:off x="457200" y="798830"/>
-            <a:ext cx="7481388" cy="2527694"/>
+            <a:off x="157653" y="798830"/>
+            <a:ext cx="7341402" cy="2480398"/>
           </a:xfrm>
           <a:prstGeom prst="rect">
             <a:avLst/>
           </a:prstGeom>
+        </p:spPr>
+      </p:pic>
+      <p:pic>
+        <p:nvPicPr>
+          <p:cNvPr id="1028" name="Picture 4" descr="âSteve Jobsâçå¾çæç´¢ç»æ"/>
+          <p:cNvPicPr>
+            <a:picLocks noChangeAspect="1" noChangeArrowheads="1"/>
+          </p:cNvPicPr>
+          <p:nvPr/>
+        </p:nvPicPr>
+        <p:blipFill>
+          <a:blip r:embed="rId5">
+            <a:extLst>
+              <a:ext uri="{28A0092B-C50C-407E-A947-70E740481C1C}">
+                <a14:useLocalDpi xmlns:a14="http://schemas.microsoft.com/office/drawing/2010/main" val="0"/>
+              </a:ext>
+            </a:extLst>
+          </a:blip>
+          <a:srcRect/>
+          <a:stretch>
+            <a:fillRect/>
+          </a:stretch>
+        </p:blipFill>
+        <p:spPr bwMode="auto">
+          <a:xfrm>
+            <a:off x="7500152" y="798513"/>
+            <a:ext cx="1643847" cy="2480715"/>
+          </a:xfrm>
+          <a:prstGeom prst="rect">
+            <a:avLst/>
+          </a:prstGeom>
+          <a:noFill/>
+          <a:extLst>
+            <a:ext uri="{909E8E84-426E-40DD-AFC4-6F175D3DCCD1}">
+              <a14:hiddenFill xmlns:a14="http://schemas.microsoft.com/office/drawing/2010/main">
+                <a:solidFill>
+                  <a:srgbClr val="FFFFFF"/>
+                </a:solidFill>
+              </a14:hiddenFill>
+            </a:ext>
+          </a:extLst>
         </p:spPr>
       </p:pic>
     </p:spTree>
